--- a/2021/SMC/Braid-DB.pptx
+++ b/2021/SMC/Braid-DB.pptx
@@ -526,7 +526,7 @@
         <p:spPr/>
         <p:txBody>
           <a:bodyPr>
-            <a:normAutofit fontScale="47500" lnSpcReduction="20000"/>
+            <a:normAutofit/>
           </a:bodyPr>
           <a:lstStyle/>
           <a:p>
@@ -3632,7 +3632,7 @@
         <p:spPr>
           <a:xfrm>
             <a:off x="571500" y="952500"/>
-            <a:ext cx="26344726" cy="5436869"/>
+            <a:ext cx="26344726" cy="4952121"/>
           </a:xfrm>
           <a:prstGeom prst="rect">
             <a:avLst/>
@@ -3662,7 +3662,7 @@
                   <a:srgbClr val="1F497D"/>
                 </a:solidFill>
               </a:rPr>
-              <a:t>Swift/T: Scalable Dataflow Programming </a:t>
+              <a:t>Braid-DB: Toward AI-driven Science </a:t>
             </a:r>
             <a:br>
               <a:rPr lang="en-US" sz="9600" dirty="0">
@@ -3677,7 +3677,7 @@
                   <a:srgbClr val="1F497D"/>
                 </a:solidFill>
               </a:rPr>
-              <a:t>for Many-task Applications</a:t>
+              <a:t>with Machine Learning Provenance</a:t>
             </a:r>
             <a:br>
               <a:rPr lang="en-US" sz="5500" dirty="0">
@@ -3692,130 +3692,25 @@
                   <a:srgbClr val="1F497D"/>
                 </a:solidFill>
               </a:rPr>
-              <a:t>Justin M. Wozniak</a:t>
-            </a:r>
-            <a:r>
-              <a:rPr lang="en-US" sz="4500" baseline="30000" dirty="0">
-                <a:solidFill>
-                  <a:srgbClr val="1F497D"/>
-                </a:solidFill>
-              </a:rPr>
-              <a:t>12</a:t>
-            </a:r>
+              <a:t>Justin M. Wozniak, Zhengchun Liu, Rafael Vescovi, Ryan Chard, Bogdan Nicolae and Ian Foster </a:t>
+            </a:r>
+          </a:p>
+          <a:p>
+            <a:pPr marL="285739" indent="-285739" algn="ctr">
+              <a:lnSpc>
+                <a:spcPct val="90000"/>
+              </a:lnSpc>
+              <a:spcBef>
+                <a:spcPct val="20000"/>
+              </a:spcBef>
+            </a:pPr>
             <a:r>
               <a:rPr lang="en-US" sz="4500" dirty="0">
                 <a:solidFill>
                   <a:srgbClr val="1F497D"/>
                 </a:solidFill>
               </a:rPr>
-              <a:t> &lt;wozniak@mcs.anl.gov&gt;, Timothy G. Armstrong</a:t>
-            </a:r>
-            <a:r>
-              <a:rPr lang="en-US" sz="4500" baseline="30000" dirty="0">
-                <a:solidFill>
-                  <a:srgbClr val="1F497D"/>
-                </a:solidFill>
-              </a:rPr>
-              <a:t>2</a:t>
-            </a:r>
-            <a:r>
-              <a:rPr lang="en-US" sz="4500" dirty="0">
-                <a:solidFill>
-                  <a:srgbClr val="1F497D"/>
-                </a:solidFill>
-              </a:rPr>
-              <a:t>, Michael Wilde</a:t>
-            </a:r>
-            <a:r>
-              <a:rPr lang="en-US" sz="4500" baseline="30000" dirty="0">
-                <a:solidFill>
-                  <a:srgbClr val="1F497D"/>
-                </a:solidFill>
-              </a:rPr>
-              <a:t>12</a:t>
-            </a:r>
-            <a:r>
-              <a:rPr lang="en-US" sz="4500" dirty="0">
-                <a:solidFill>
-                  <a:srgbClr val="1F497D"/>
-                </a:solidFill>
-              </a:rPr>
-              <a:t>,</a:t>
-            </a:r>
-          </a:p>
-          <a:p>
-            <a:pPr marL="289548" indent="-285739" algn="ctr">
-              <a:lnSpc>
-                <a:spcPct val="90000"/>
-              </a:lnSpc>
-            </a:pPr>
-            <a:r>
-              <a:rPr lang="en-US" sz="4500" dirty="0">
-                <a:solidFill>
-                  <a:srgbClr val="1F497D"/>
-                </a:solidFill>
-              </a:rPr>
-              <a:t>Daniel S. Katz</a:t>
-            </a:r>
-            <a:r>
-              <a:rPr lang="en-US" sz="4500" baseline="30000" dirty="0">
-                <a:solidFill>
-                  <a:srgbClr val="1F497D"/>
-                </a:solidFill>
-              </a:rPr>
-              <a:t>12</a:t>
-            </a:r>
-            <a:r>
-              <a:rPr lang="en-US" sz="4500" dirty="0">
-                <a:solidFill>
-                  <a:srgbClr val="1F497D"/>
-                </a:solidFill>
-              </a:rPr>
-              <a:t>, Ewing Lusk</a:t>
-            </a:r>
-            <a:r>
-              <a:rPr lang="en-US" sz="4500" baseline="30000" dirty="0">
-                <a:solidFill>
-                  <a:srgbClr val="1F497D"/>
-                </a:solidFill>
-              </a:rPr>
-              <a:t>12</a:t>
-            </a:r>
-            <a:r>
-              <a:rPr lang="en-US" sz="4500" dirty="0">
-                <a:solidFill>
-                  <a:srgbClr val="1F497D"/>
-                </a:solidFill>
-              </a:rPr>
-              <a:t>, and Ian T. Foster</a:t>
-            </a:r>
-            <a:r>
-              <a:rPr lang="en-US" sz="4500" baseline="30000" dirty="0">
-                <a:solidFill>
-                  <a:srgbClr val="1F497D"/>
-                </a:solidFill>
-              </a:rPr>
-              <a:t>12</a:t>
-            </a:r>
-            <a:endParaRPr lang="en-US" sz="4500" dirty="0">
-              <a:solidFill>
-                <a:srgbClr val="1F497D"/>
-              </a:solidFill>
-            </a:endParaRPr>
-          </a:p>
-          <a:p>
-            <a:pPr marL="289548" indent="-285739" algn="ctr">
-              <a:lnSpc>
-                <a:spcPct val="90000"/>
-              </a:lnSpc>
-            </a:pPr>
-            <a:r>
-              <a:rPr lang="en-US" sz="4500" dirty="0">
-                <a:solidFill>
-                  <a:srgbClr val="1F497D"/>
-                </a:solidFill>
-              </a:rPr>
-              <a:t>1: Argonne National Laboratory 2: University of Chicago</a:t>
+              <a:t>Argonne National Laboratory</a:t>
             </a:r>
             <a:br>
               <a:rPr lang="en-US" sz="4500" dirty="0">
@@ -3830,7 +3725,7 @@
                   <a:srgbClr val="1F497D"/>
                 </a:solidFill>
               </a:rPr>
-              <a:t>http://exm.xstack.org</a:t>
+              <a:t>https://github.com/ANL-Braid/DB</a:t>
             </a:r>
             <a:endParaRPr lang="en-US" sz="5500" dirty="0">
               <a:solidFill>
@@ -4433,7 +4328,7 @@
               <a:defRPr/>
             </a:pPr>
             <a:r>
-              <a:rPr lang="en-US" sz="4800">
+              <a:rPr lang="en-US" sz="4800" dirty="0">
                 <a:solidFill>
                   <a:srgbClr val="7F7F7F"/>
                 </a:solidFill>

--- a/2021/SMC/Braid-DB.pptx
+++ b/2021/SMC/Braid-DB.pptx
@@ -209,7 +209,7 @@
             <a:fld id="{6DB5BE4C-DE2E-524E-B244-9274EEA7A61C}" type="datetimeFigureOut">
               <a:rPr lang="en-US" smtClean="0"/>
               <a:pPr/>
-              <a:t>2021-09-27</a:t>
+              <a:t>9/27/2021</a:t>
             </a:fld>
             <a:endParaRPr lang="en-US"/>
           </a:p>
@@ -746,7 +746,7 @@
             <a:fld id="{9A00FA51-1785-FA41-96ED-D701FDE160E6}" type="datetimeFigureOut">
               <a:rPr lang="en-US" smtClean="0"/>
               <a:pPr/>
-              <a:t>2021-09-27</a:t>
+              <a:t>9/27/2021</a:t>
             </a:fld>
             <a:endParaRPr lang="en-US"/>
           </a:p>
@@ -911,7 +911,7 @@
             <a:fld id="{9A00FA51-1785-FA41-96ED-D701FDE160E6}" type="datetimeFigureOut">
               <a:rPr lang="en-US" smtClean="0"/>
               <a:pPr/>
-              <a:t>2021-09-27</a:t>
+              <a:t>9/27/2021</a:t>
             </a:fld>
             <a:endParaRPr lang="en-US"/>
           </a:p>
@@ -1086,7 +1086,7 @@
             <a:fld id="{9A00FA51-1785-FA41-96ED-D701FDE160E6}" type="datetimeFigureOut">
               <a:rPr lang="en-US" smtClean="0"/>
               <a:pPr/>
-              <a:t>2021-09-27</a:t>
+              <a:t>9/27/2021</a:t>
             </a:fld>
             <a:endParaRPr lang="en-US"/>
           </a:p>
@@ -1251,7 +1251,7 @@
             <a:fld id="{9A00FA51-1785-FA41-96ED-D701FDE160E6}" type="datetimeFigureOut">
               <a:rPr lang="en-US" smtClean="0"/>
               <a:pPr/>
-              <a:t>2021-09-27</a:t>
+              <a:t>9/27/2021</a:t>
             </a:fld>
             <a:endParaRPr lang="en-US"/>
           </a:p>
@@ -1493,7 +1493,7 @@
             <a:fld id="{9A00FA51-1785-FA41-96ED-D701FDE160E6}" type="datetimeFigureOut">
               <a:rPr lang="en-US" smtClean="0"/>
               <a:pPr/>
-              <a:t>2021-09-27</a:t>
+              <a:t>9/27/2021</a:t>
             </a:fld>
             <a:endParaRPr lang="en-US"/>
           </a:p>
@@ -1775,7 +1775,7 @@
             <a:fld id="{9A00FA51-1785-FA41-96ED-D701FDE160E6}" type="datetimeFigureOut">
               <a:rPr lang="en-US" smtClean="0"/>
               <a:pPr/>
-              <a:t>2021-09-27</a:t>
+              <a:t>9/27/2021</a:t>
             </a:fld>
             <a:endParaRPr lang="en-US"/>
           </a:p>
@@ -2196,7 +2196,7 @@
             <a:fld id="{9A00FA51-1785-FA41-96ED-D701FDE160E6}" type="datetimeFigureOut">
               <a:rPr lang="en-US" smtClean="0"/>
               <a:pPr/>
-              <a:t>2021-09-27</a:t>
+              <a:t>9/27/2021</a:t>
             </a:fld>
             <a:endParaRPr lang="en-US"/>
           </a:p>
@@ -2310,7 +2310,7 @@
             <a:fld id="{9A00FA51-1785-FA41-96ED-D701FDE160E6}" type="datetimeFigureOut">
               <a:rPr lang="en-US" smtClean="0"/>
               <a:pPr/>
-              <a:t>2021-09-27</a:t>
+              <a:t>9/27/2021</a:t>
             </a:fld>
             <a:endParaRPr lang="en-US"/>
           </a:p>
@@ -2402,7 +2402,7 @@
             <a:fld id="{9A00FA51-1785-FA41-96ED-D701FDE160E6}" type="datetimeFigureOut">
               <a:rPr lang="en-US" smtClean="0"/>
               <a:pPr/>
-              <a:t>2021-09-27</a:t>
+              <a:t>9/27/2021</a:t>
             </a:fld>
             <a:endParaRPr lang="en-US"/>
           </a:p>
@@ -2674,7 +2674,7 @@
             <a:fld id="{9A00FA51-1785-FA41-96ED-D701FDE160E6}" type="datetimeFigureOut">
               <a:rPr lang="en-US" smtClean="0"/>
               <a:pPr/>
-              <a:t>2021-09-27</a:t>
+              <a:t>9/27/2021</a:t>
             </a:fld>
             <a:endParaRPr lang="en-US"/>
           </a:p>
@@ -2923,7 +2923,7 @@
             <a:fld id="{9A00FA51-1785-FA41-96ED-D701FDE160E6}" type="datetimeFigureOut">
               <a:rPr lang="en-US" smtClean="0"/>
               <a:pPr/>
-              <a:t>2021-09-27</a:t>
+              <a:t>9/27/2021</a:t>
             </a:fld>
             <a:endParaRPr lang="en-US"/>
           </a:p>
@@ -3131,7 +3131,7 @@
             <a:fld id="{9A00FA51-1785-FA41-96ED-D701FDE160E6}" type="datetimeFigureOut">
               <a:rPr lang="en-US" smtClean="0"/>
               <a:pPr/>
-              <a:t>2021-09-27</a:t>
+              <a:t>9/27/2021</a:t>
             </a:fld>
             <a:endParaRPr lang="en-US"/>
           </a:p>
@@ -3551,12 +3551,12 @@
         </p:nvSpPr>
         <p:spPr>
           <a:xfrm>
-            <a:off x="725714" y="25706269"/>
+            <a:off x="673100" y="25706269"/>
             <a:ext cx="12573000" cy="9370424"/>
           </a:xfrm>
           <a:prstGeom prst="roundRect">
             <a:avLst>
-              <a:gd name="adj" fmla="val 5173"/>
+              <a:gd name="adj" fmla="val 336"/>
             </a:avLst>
           </a:prstGeom>
           <a:solidFill>
@@ -3632,7 +3632,7 @@
         <p:spPr>
           <a:xfrm>
             <a:off x="571500" y="952500"/>
-            <a:ext cx="26344726" cy="4952121"/>
+            <a:ext cx="26344726" cy="5383008"/>
           </a:xfrm>
           <a:prstGeom prst="rect">
             <a:avLst/>
@@ -3647,6 +3647,67 @@
             <a:spAutoFit/>
           </a:bodyPr>
           <a:lstStyle/>
+          <a:p>
+            <a:pPr marL="285739" indent="-285739" algn="ctr">
+              <a:lnSpc>
+                <a:spcPct val="90000"/>
+              </a:lnSpc>
+              <a:spcBef>
+                <a:spcPct val="20000"/>
+              </a:spcBef>
+              <a:spcAft>
+                <a:spcPts val="2400"/>
+              </a:spcAft>
+            </a:pPr>
+            <a:r>
+              <a:rPr lang="en-US" sz="9600" dirty="0">
+                <a:solidFill>
+                  <a:srgbClr val="1F497D"/>
+                </a:solidFill>
+                <a:latin typeface="Arial Black" panose="020B0A04020102020204" pitchFamily="34" charset="0"/>
+              </a:rPr>
+              <a:t>Braid-DB: Toward AI-driven Science </a:t>
+            </a:r>
+            <a:br>
+              <a:rPr lang="en-US" sz="9600" dirty="0">
+                <a:solidFill>
+                  <a:srgbClr val="1F497D"/>
+                </a:solidFill>
+                <a:latin typeface="Arial Black" panose="020B0A04020102020204" pitchFamily="34" charset="0"/>
+              </a:rPr>
+            </a:br>
+            <a:r>
+              <a:rPr lang="en-US" sz="9600" dirty="0">
+                <a:solidFill>
+                  <a:srgbClr val="1F497D"/>
+                </a:solidFill>
+                <a:latin typeface="Arial Black" panose="020B0A04020102020204" pitchFamily="34" charset="0"/>
+              </a:rPr>
+              <a:t>with Machine Learning Provenance</a:t>
+            </a:r>
+          </a:p>
+          <a:p>
+            <a:pPr marL="285739" indent="-285739" algn="ctr">
+              <a:lnSpc>
+                <a:spcPct val="90000"/>
+              </a:lnSpc>
+              <a:spcBef>
+                <a:spcPct val="20000"/>
+              </a:spcBef>
+              <a:spcAft>
+                <a:spcPts val="2400"/>
+              </a:spcAft>
+            </a:pPr>
+            <a:r>
+              <a:rPr lang="en-US" sz="3600" dirty="0">
+                <a:solidFill>
+                  <a:srgbClr val="1F497D"/>
+                </a:solidFill>
+                <a:latin typeface="Arial Black" panose="020B0A04020102020204" pitchFamily="34" charset="0"/>
+              </a:rPr>
+              <a:t>Justin M. Wozniak, Zhengchun Liu, Rafael Vescovi, Ryan Chard, Bogdan Nicolae and Ian Foster </a:t>
+            </a:r>
+          </a:p>
           <a:p>
             <a:pPr marL="285739" indent="-285739" algn="ctr">
               <a:lnSpc>
@@ -3657,42 +3718,13 @@
               </a:spcBef>
             </a:pPr>
             <a:r>
-              <a:rPr lang="en-US" sz="9600" dirty="0">
+              <a:rPr lang="en-US" sz="3600" dirty="0">
                 <a:solidFill>
                   <a:srgbClr val="1F497D"/>
                 </a:solidFill>
+                <a:latin typeface="Arial Black" panose="020B0A04020102020204" pitchFamily="34" charset="0"/>
               </a:rPr>
-              <a:t>Braid-DB: Toward AI-driven Science </a:t>
-            </a:r>
-            <a:br>
-              <a:rPr lang="en-US" sz="9600" dirty="0">
-                <a:solidFill>
-                  <a:srgbClr val="1F497D"/>
-                </a:solidFill>
-              </a:rPr>
-            </a:br>
-            <a:r>
-              <a:rPr lang="en-US" sz="9600" dirty="0">
-                <a:solidFill>
-                  <a:srgbClr val="1F497D"/>
-                </a:solidFill>
-              </a:rPr>
-              <a:t>with Machine Learning Provenance</a:t>
-            </a:r>
-            <a:br>
-              <a:rPr lang="en-US" sz="5500" dirty="0">
-                <a:solidFill>
-                  <a:srgbClr val="1F497D"/>
-                </a:solidFill>
-              </a:rPr>
-            </a:br>
-            <a:r>
-              <a:rPr lang="en-US" sz="4500" dirty="0">
-                <a:solidFill>
-                  <a:srgbClr val="1F497D"/>
-                </a:solidFill>
-              </a:rPr>
-              <a:t>Justin M. Wozniak, Zhengchun Liu, Rafael Vescovi, Ryan Chard, Bogdan Nicolae and Ian Foster </a:t>
+              <a:t>Argonne National Laboratory</a:t>
             </a:r>
           </a:p>
           <a:p>
@@ -3705,32 +3737,19 @@
               </a:spcBef>
             </a:pPr>
             <a:r>
-              <a:rPr lang="en-US" sz="4500" dirty="0">
+              <a:rPr lang="en-US" sz="4800" b="1" dirty="0">
                 <a:solidFill>
                   <a:srgbClr val="1F497D"/>
                 </a:solidFill>
-              </a:rPr>
-              <a:t>Argonne National Laboratory</a:t>
-            </a:r>
-            <a:br>
-              <a:rPr lang="en-US" sz="4500" dirty="0">
-                <a:solidFill>
-                  <a:srgbClr val="1F497D"/>
-                </a:solidFill>
-              </a:rPr>
-            </a:br>
-            <a:r>
-              <a:rPr lang="en-US" sz="6000" b="1" dirty="0">
-                <a:solidFill>
-                  <a:srgbClr val="1F497D"/>
-                </a:solidFill>
+                <a:latin typeface="Consolas" panose="020B0609020204030204" pitchFamily="49" charset="0"/>
               </a:rPr>
               <a:t>https://github.com/ANL-Braid/DB</a:t>
             </a:r>
-            <a:endParaRPr lang="en-US" sz="5500" dirty="0">
+            <a:endParaRPr lang="en-US" sz="4800" dirty="0">
               <a:solidFill>
                 <a:srgbClr val="1F497D"/>
               </a:solidFill>
+              <a:latin typeface="Consolas" panose="020B0609020204030204" pitchFamily="49" charset="0"/>
             </a:endParaRPr>
           </a:p>
         </p:txBody>
@@ -3788,12 +3807,12 @@
         </p:nvSpPr>
         <p:spPr>
           <a:xfrm>
-            <a:off x="635000" y="16535400"/>
+            <a:off x="598714" y="16537351"/>
             <a:ext cx="12700000" cy="8839200"/>
           </a:xfrm>
           <a:prstGeom prst="roundRect">
             <a:avLst>
-              <a:gd name="adj" fmla="val 5173"/>
+              <a:gd name="adj" fmla="val 495"/>
             </a:avLst>
           </a:prstGeom>
           <a:solidFill>
@@ -3820,7 +3839,7 @@
           <a:p>
             <a:pPr algn="ctr"/>
             <a:r>
-              <a:rPr lang="en-US"/>
+              <a:rPr lang="en-US" dirty="0"/>
               <a:t>Data dependencies and tasks resulting from complex, large scale scripts must </a:t>
             </a:r>
           </a:p>
@@ -3869,14 +3888,14 @@
               <a:defRPr/>
             </a:pPr>
             <a:r>
-              <a:rPr lang="en-US" sz="4800">
-                <a:solidFill>
-                  <a:srgbClr val="7F7F7F"/>
-                </a:solidFill>
+              <a:rPr lang="en-US" sz="4000" dirty="0">
+                <a:latin typeface="Arial Black" panose="020B0A04020102020204" pitchFamily="34" charset="0"/>
               </a:rPr>
-              <a:t>STC: An advanced, optimizing compiler</a:t>
-            </a:r>
-            <a:endParaRPr lang="en-US" sz="4800" i="1" dirty="0"/>
+              <a:t>Braid: Streaming data for experiments </a:t>
+            </a:r>
+            <a:endParaRPr lang="en-US" sz="4000" i="1" dirty="0">
+              <a:latin typeface="Arial Black" panose="020B0A04020102020204" pitchFamily="34" charset="0"/>
+            </a:endParaRPr>
           </a:p>
         </p:txBody>
       </p:sp>
@@ -3983,168 +4002,6 @@
           </a:p>
         </p:txBody>
       </p:sp>
-      <p:pic>
-        <p:nvPicPr>
-          <p:cNvPr id="32" name="Picture 31" descr="pips-flow.png"/>
-          <p:cNvPicPr>
-            <a:picLocks noChangeAspect="1"/>
-          </p:cNvPicPr>
-          <p:nvPr/>
-        </p:nvPicPr>
-        <p:blipFill>
-          <a:blip r:embed="rId4"/>
-          <a:stretch>
-            <a:fillRect/>
-          </a:stretch>
-        </p:blipFill>
-        <p:spPr>
-          <a:xfrm>
-            <a:off x="6885213" y="26401382"/>
-            <a:ext cx="6166670" cy="2878659"/>
-          </a:xfrm>
-          <a:prstGeom prst="rect">
-            <a:avLst/>
-          </a:prstGeom>
-        </p:spPr>
-      </p:pic>
-      <p:sp>
-        <p:nvSpPr>
-          <p:cNvPr id="44" name="Rectangle 2"/>
-          <p:cNvSpPr txBox="1">
-            <a:spLocks noChangeArrowheads="1"/>
-          </p:cNvSpPr>
-          <p:nvPr/>
-        </p:nvSpPr>
-        <p:spPr bwMode="auto">
-          <a:xfrm>
-            <a:off x="1348014" y="25816197"/>
-            <a:ext cx="11531600" cy="702621"/>
-          </a:xfrm>
-          <a:prstGeom prst="rect">
-            <a:avLst/>
-          </a:prstGeom>
-          <a:noFill/>
-          <a:ln w="9525">
-            <a:noFill/>
-            <a:round/>
-            <a:headEnd/>
-            <a:tailEnd/>
-          </a:ln>
-        </p:spPr>
-        <p:txBody>
-          <a:bodyPr lIns="74997" tIns="38998" rIns="74997" bIns="38998" anchor="ctr">
-            <a:prstTxWarp prst="textNoShape">
-              <a:avLst/>
-            </a:prstTxWarp>
-          </a:bodyPr>
-          <a:lstStyle/>
-          <a:p>
-            <a:pPr defTabSz="380985">
-              <a:lnSpc>
-                <a:spcPct val="94000"/>
-              </a:lnSpc>
-              <a:buClr>
-                <a:srgbClr val="000000"/>
-              </a:buClr>
-              <a:buSzPct val="100000"/>
-              <a:defRPr/>
-            </a:pPr>
-            <a:r>
-              <a:rPr lang="en-US" sz="4000" dirty="0">
-                <a:solidFill>
-                  <a:srgbClr val="7F7F7F"/>
-                </a:solidFill>
-              </a:rPr>
-              <a:t>Swift PIPS script</a:t>
-            </a:r>
-            <a:r>
-              <a:rPr lang="en-US" sz="4000">
-                <a:solidFill>
-                  <a:srgbClr val="7F7F7F"/>
-                </a:solidFill>
-              </a:rPr>
-              <a:t>: </a:t>
-            </a:r>
-            <a:r>
-              <a:rPr lang="en-US" sz="4000"/>
-              <a:t>Parallel power grid analysis</a:t>
-            </a:r>
-            <a:endParaRPr lang="en-US" sz="4000" i="1" dirty="0"/>
-          </a:p>
-        </p:txBody>
-      </p:sp>
-      <p:pic>
-        <p:nvPicPr>
-          <p:cNvPr id="57" name="Picture 56" descr="pips-perf.pdf"/>
-          <p:cNvPicPr>
-            <a:picLocks noChangeAspect="1"/>
-          </p:cNvPicPr>
-          <p:nvPr/>
-        </p:nvPicPr>
-        <p:blipFill>
-          <a:blip r:embed="rId5"/>
-          <a:stretch>
-            <a:fillRect/>
-          </a:stretch>
-        </p:blipFill>
-        <p:spPr>
-          <a:xfrm>
-            <a:off x="5590463" y="30153201"/>
-            <a:ext cx="8153400" cy="4923492"/>
-          </a:xfrm>
-          <a:prstGeom prst="rect">
-            <a:avLst/>
-          </a:prstGeom>
-        </p:spPr>
-      </p:pic>
-      <p:sp>
-        <p:nvSpPr>
-          <p:cNvPr id="58" name="Rectangle 2"/>
-          <p:cNvSpPr txBox="1">
-            <a:spLocks noChangeArrowheads="1"/>
-          </p:cNvSpPr>
-          <p:nvPr/>
-        </p:nvSpPr>
-        <p:spPr bwMode="auto">
-          <a:xfrm>
-            <a:off x="968644" y="32149072"/>
-            <a:ext cx="4876800" cy="2583111"/>
-          </a:xfrm>
-          <a:prstGeom prst="rect">
-            <a:avLst/>
-          </a:prstGeom>
-          <a:noFill/>
-          <a:ln w="9525">
-            <a:noFill/>
-            <a:round/>
-            <a:headEnd/>
-            <a:tailEnd/>
-          </a:ln>
-        </p:spPr>
-        <p:txBody>
-          <a:bodyPr lIns="74997" tIns="38998" rIns="74997" bIns="38998" anchor="ctr">
-            <a:prstTxWarp prst="textNoShape">
-              <a:avLst/>
-            </a:prstTxWarp>
-          </a:bodyPr>
-          <a:lstStyle/>
-          <a:p>
-            <a:r>
-              <a:rPr lang="en-US" sz="1600" b="1"/>
-              <a:t>PIPS is a computationally intensive program to address problems in electrical power design and management.  The original PIPS program produces potential grid management solutions. Swift is used to evaluate the solutions under varying scenarios, a naturally concurrent problem.  The Swift script, which calls into PIPS libraries, was developed very quickly and scales well to 8,192 cores, the application requirement.  Results from the IBM Blue Gene/P </a:t>
-            </a:r>
-            <a:r>
-              <a:rPr lang="en-US" sz="1600" b="1" i="1"/>
-              <a:t>Intrepid</a:t>
-            </a:r>
-            <a:r>
-              <a:rPr lang="en-US" sz="1600" b="1"/>
-              <a:t> at ANL. </a:t>
-            </a:r>
-            <a:endParaRPr lang="en-US" sz="1600" dirty="0"/>
-          </a:p>
-        </p:txBody>
-      </p:sp>
       <p:sp>
         <p:nvSpPr>
           <p:cNvPr id="64" name="Rounded Rectangle 63"/>
@@ -4158,7 +4015,7 @@
           </a:xfrm>
           <a:prstGeom prst="roundRect">
             <a:avLst>
-              <a:gd name="adj" fmla="val 5173"/>
+              <a:gd name="adj" fmla="val 1013"/>
             </a:avLst>
           </a:prstGeom>
           <a:solidFill>
@@ -4201,7 +4058,7 @@
           </a:xfrm>
           <a:prstGeom prst="roundRect">
             <a:avLst>
-              <a:gd name="adj" fmla="val 5173"/>
+              <a:gd name="adj" fmla="val 571"/>
             </a:avLst>
           </a:prstGeom>
           <a:solidFill>
@@ -4274,14 +4131,14 @@
               <a:defRPr/>
             </a:pPr>
             <a:r>
-              <a:rPr lang="en-US" sz="4800">
-                <a:solidFill>
-                  <a:srgbClr val="7F7F7F"/>
-                </a:solidFill>
+              <a:rPr lang="en-US" sz="4000" dirty="0">
+                <a:latin typeface="Arial Black" panose="020B0A04020102020204" pitchFamily="34" charset="0"/>
               </a:rPr>
-              <a:t>Dataflow processing in distributed memory</a:t>
-            </a:r>
-            <a:endParaRPr lang="en-US" sz="4800" i="1" dirty="0"/>
+              <a:t>Braid-DB Architecture</a:t>
+            </a:r>
+            <a:endParaRPr lang="en-US" sz="4000" i="1" dirty="0">
+              <a:latin typeface="Arial Black" panose="020B0A04020102020204" pitchFamily="34" charset="0"/>
+            </a:endParaRPr>
           </a:p>
         </p:txBody>
       </p:sp>
@@ -4328,14 +4185,14 @@
               <a:defRPr/>
             </a:pPr>
             <a:r>
-              <a:rPr lang="en-US" sz="4800" dirty="0">
-                <a:solidFill>
-                  <a:srgbClr val="7F7F7F"/>
-                </a:solidFill>
+              <a:rPr lang="en-US" sz="4000" dirty="0">
+                <a:latin typeface="Arial Black" panose="020B0A04020102020204" pitchFamily="34" charset="0"/>
               </a:rPr>
-              <a:t>Overview: Dataflow programming at scale</a:t>
-            </a:r>
-            <a:endParaRPr lang="en-US" sz="4800" i="1" dirty="0"/>
+              <a:t>Overview: Provenance for ML Science</a:t>
+            </a:r>
+            <a:endParaRPr lang="en-US" sz="4000" i="1" dirty="0">
+              <a:latin typeface="Arial Black" panose="020B0A04020102020204" pitchFamily="34" charset="0"/>
+            </a:endParaRPr>
           </a:p>
         </p:txBody>
       </p:sp>
@@ -4366,59 +4223,9 @@
               <a:buChar char="•"/>
             </a:pPr>
             <a:r>
-              <a:rPr lang="en-US" sz="3200"/>
-              <a:t>Many important application classes that are driving the requirements for extreme-scale systems can be elegantly expressed as many-task data flow programs: </a:t>
-            </a:r>
-          </a:p>
-          <a:p>
-            <a:pPr lvl="1"/>
-            <a:r>
-              <a:rPr lang="en-US" sz="3200">
-                <a:latin typeface="Webdings" pitchFamily="18" charset="2"/>
-              </a:rPr>
-              <a:t>a </a:t>
-            </a:r>
-            <a:r>
-              <a:rPr lang="en-US" sz="3200"/>
-              <a:t>Branch and bound	    </a:t>
-            </a:r>
-            <a:r>
-              <a:rPr lang="en-US" sz="3200">
-                <a:latin typeface="Webdings" pitchFamily="18" charset="2"/>
-              </a:rPr>
-              <a:t>a </a:t>
-            </a:r>
-            <a:r>
-              <a:rPr lang="en-US" sz="3200"/>
-              <a:t>Stochastic programming </a:t>
-            </a:r>
-            <a:br>
-              <a:rPr lang="en-US" sz="3200"/>
-            </a:br>
-            <a:r>
-              <a:rPr lang="en-US" sz="3200">
-                <a:latin typeface="Webdings" pitchFamily="18" charset="2"/>
-              </a:rPr>
-              <a:t>a </a:t>
-            </a:r>
-            <a:r>
-              <a:rPr lang="en-US" sz="3200"/>
-              <a:t>Materials by design  </a:t>
-            </a:r>
-            <a:r>
-              <a:rPr lang="en-US" sz="3200">
-                <a:latin typeface="Webdings" pitchFamily="18" charset="2"/>
-              </a:rPr>
-              <a:t>a </a:t>
-            </a:r>
-            <a:r>
-              <a:rPr lang="en-US" sz="3200"/>
-              <a:t>Uncertainty quantification</a:t>
-            </a:r>
-            <a:br>
-              <a:rPr lang="en-US" sz="3200"/>
-            </a:br>
-            <a:endParaRPr lang="en-US" sz="3200"/>
+              <a:rPr lang="en-US" sz="3200" dirty="0"/>
+              <a:t>Next-generation scientific instruments will collect data at unprecedented rates: multiple GB/s and exceeding TB/day.</a:t>
+            </a:r>
           </a:p>
           <a:p>
             <a:pPr marL="457200" indent="-457200">
@@ -4426,12 +4233,9 @@
               <a:buChar char="•"/>
             </a:pPr>
             <a:r>
-              <a:rPr lang="en-US" sz="3200"/>
-              <a:t>The data flow programming model of the Swift parallel scripting language can elegantly express the massive concurrency demanded by these applications through implicit parallelism, which has the productivity benefits of a high-level language.</a:t>
-            </a:r>
-          </a:p>
-          <a:p>
-            <a:endParaRPr lang="en-US" sz="3200"/>
+              <a:rPr lang="en-US" sz="3200" dirty="0"/>
+              <a:t>Such runs will benefit from automation and steering via machine learning methods, but these approaches require new data management and policy techniques to support the distinct I/O patterns of machine learning and the dynamic and more generalized dataflow pattern inherent in automation.  </a:t>
+            </a:r>
           </a:p>
           <a:p>
             <a:pPr marL="457200" indent="-457200">
@@ -4439,8 +4243,8 @@
               <a:buChar char="•"/>
             </a:pPr>
             <a:r>
-              <a:rPr lang="en-US" sz="3200"/>
-              <a:t>In our current work, we have reimplemented the Swift system to run as an MPI program for high-performance computing.</a:t>
+              <a:rPr lang="en-US" sz="3200" dirty="0"/>
+              <a:t>We present here the Braid Provenance Engine (Braid-DB), a system that embraces and is designed to support AI-for-science automation in how and when to analyze and retain data, and when to alter experimental configurations.  </a:t>
             </a:r>
           </a:p>
           <a:p>
@@ -4448,7 +4252,10 @@
               <a:buFont typeface="Arial" pitchFamily="34" charset="0"/>
               <a:buChar char="•"/>
             </a:pPr>
-            <a:endParaRPr lang="en-US" sz="3200"/>
+            <a:r>
+              <a:rPr lang="en-US" sz="3200" dirty="0"/>
+              <a:t>Automating such workflows will</a:t>
+            </a:r>
           </a:p>
           <a:p>
             <a:pPr marL="457200" indent="-457200">
@@ -4456,184 +4263,9 @@
               <a:buChar char="•"/>
             </a:pPr>
             <a:r>
-              <a:rPr lang="en-US" sz="3200"/>
-              <a:t>Swift was previously implemented as a workflow language (c. 2007) for distributed computing (grids, clouds, etc.). That implementation is used in many active scientific applications (Wilde, 2011).  </a:t>
-            </a:r>
-          </a:p>
-        </p:txBody>
-      </p:sp>
-      <p:pic>
-        <p:nvPicPr>
-          <p:cNvPr id="1027" name="Picture 3" descr="C:\cygwin\home\wozniak\exm\papers\PPoPP_2013\poster\spawngraph.png"/>
-          <p:cNvPicPr>
-            <a:picLocks noChangeAspect="1" noChangeArrowheads="1"/>
-          </p:cNvPicPr>
-          <p:nvPr/>
-        </p:nvPicPr>
-        <p:blipFill>
-          <a:blip r:embed="rId6">
-            <a:extLst>
-              <a:ext uri="{28A0092B-C50C-407E-A947-70E740481C1C}">
-                <a14:useLocalDpi xmlns:a14="http://schemas.microsoft.com/office/drawing/2010/main" val="0"/>
-              </a:ext>
-            </a:extLst>
-          </a:blip>
-          <a:srcRect/>
-          <a:stretch>
-            <a:fillRect/>
-          </a:stretch>
-        </p:blipFill>
-        <p:spPr bwMode="auto">
-          <a:xfrm>
-            <a:off x="20524466" y="13309204"/>
-            <a:ext cx="6023328" cy="6413919"/>
-          </a:xfrm>
-          <a:prstGeom prst="rect">
-            <a:avLst/>
-          </a:prstGeom>
-          <a:noFill/>
-          <a:extLst>
-            <a:ext uri="{909E8E84-426E-40DD-AFC4-6F175D3DCCD1}">
-              <a14:hiddenFill xmlns:a14="http://schemas.microsoft.com/office/drawing/2010/main">
-                <a:solidFill>
-                  <a:srgbClr val="FFFFFF"/>
-                </a:solidFill>
-              </a14:hiddenFill>
-            </a:ext>
-          </a:extLst>
-        </p:spPr>
-      </p:pic>
-      <p:sp>
-        <p:nvSpPr>
-          <p:cNvPr id="2" name="TextBox 1"/>
-          <p:cNvSpPr txBox="1"/>
-          <p:nvPr/>
-        </p:nvSpPr>
-        <p:spPr>
-          <a:xfrm>
-            <a:off x="14332590" y="13883335"/>
-            <a:ext cx="6199133" cy="6370975"/>
-          </a:xfrm>
-          <a:prstGeom prst="rect">
-            <a:avLst/>
-          </a:prstGeom>
-          <a:noFill/>
-        </p:spPr>
-        <p:txBody>
-          <a:bodyPr wrap="none" rtlCol="0">
-            <a:spAutoFit/>
-          </a:bodyPr>
-          <a:lstStyle/>
-          <a:p>
-            <a:r>
-              <a:rPr lang="en-US" sz="2800">
-                <a:latin typeface="Courier New" pitchFamily="49" charset="0"/>
-                <a:cs typeface="Courier New" pitchFamily="49" charset="0"/>
-              </a:rPr>
-              <a:t>int X = 1000, Y = 1000;</a:t>
-            </a:r>
-          </a:p>
-          <a:p>
-            <a:r>
-              <a:rPr lang="en-US" sz="2800">
-                <a:latin typeface="Courier New" pitchFamily="49" charset="0"/>
-                <a:cs typeface="Courier New" pitchFamily="49" charset="0"/>
-              </a:rPr>
-              <a:t>int A[][];</a:t>
-            </a:r>
-          </a:p>
-          <a:p>
-            <a:r>
-              <a:rPr lang="en-US" sz="2800">
-                <a:latin typeface="Courier New" pitchFamily="49" charset="0"/>
-                <a:cs typeface="Courier New" pitchFamily="49" charset="0"/>
-              </a:rPr>
-              <a:t>int B[];</a:t>
-            </a:r>
-          </a:p>
-          <a:p>
-            <a:r>
-              <a:rPr lang="en-US" sz="2800">
-                <a:latin typeface="Courier New" pitchFamily="49" charset="0"/>
-                <a:cs typeface="Courier New" pitchFamily="49" charset="0"/>
-              </a:rPr>
-              <a:t>foreach x in [0:X-1] {</a:t>
-            </a:r>
-          </a:p>
-          <a:p>
-            <a:r>
-              <a:rPr lang="en-US" sz="2800">
-                <a:latin typeface="Courier New" pitchFamily="49" charset="0"/>
-                <a:cs typeface="Courier New" pitchFamily="49" charset="0"/>
-              </a:rPr>
-              <a:t>foreach y in [0:Y-1] {</a:t>
-            </a:r>
-          </a:p>
-          <a:p>
-            <a:r>
-              <a:rPr lang="en-US" sz="2800">
-                <a:latin typeface="Courier New" pitchFamily="49" charset="0"/>
-                <a:cs typeface="Courier New" pitchFamily="49" charset="0"/>
-              </a:rPr>
-              <a:t>  if (check(x, y)) {</a:t>
-            </a:r>
-          </a:p>
-          <a:p>
-            <a:r>
-              <a:rPr lang="en-US" sz="2800">
-                <a:latin typeface="Courier New" pitchFamily="49" charset="0"/>
-                <a:cs typeface="Courier New" pitchFamily="49" charset="0"/>
-              </a:rPr>
-              <a:t>    A[x][y] = g(f(x), f(y));</a:t>
-            </a:r>
-          </a:p>
-          <a:p>
-            <a:r>
-              <a:rPr lang="en-US" sz="2800">
-                <a:latin typeface="Courier New" pitchFamily="49" charset="0"/>
-                <a:cs typeface="Courier New" pitchFamily="49" charset="0"/>
-              </a:rPr>
-              <a:t>  } else {</a:t>
-            </a:r>
-          </a:p>
-          <a:p>
-            <a:r>
-              <a:rPr lang="en-US" sz="2800">
-                <a:latin typeface="Courier New" pitchFamily="49" charset="0"/>
-                <a:cs typeface="Courier New" pitchFamily="49" charset="0"/>
-              </a:rPr>
-              <a:t>    A[x][y] = 0;</a:t>
-            </a:r>
-          </a:p>
-          <a:p>
-            <a:r>
-              <a:rPr lang="en-US" sz="2800">
-                <a:latin typeface="Courier New" pitchFamily="49" charset="0"/>
-                <a:cs typeface="Courier New" pitchFamily="49" charset="0"/>
-              </a:rPr>
-              <a:t>  }}</a:t>
-            </a:r>
-          </a:p>
-          <a:p>
-            <a:r>
-              <a:rPr lang="en-US" sz="2800">
-                <a:latin typeface="Courier New" pitchFamily="49" charset="0"/>
-                <a:cs typeface="Courier New" pitchFamily="49" charset="0"/>
-              </a:rPr>
-              <a:t>B[x] = sum(A[x]);</a:t>
-            </a:r>
-          </a:p>
-          <a:p>
-            <a:r>
-              <a:rPr lang="en-US" sz="2800">
-                <a:latin typeface="Courier New" pitchFamily="49" charset="0"/>
-                <a:cs typeface="Courier New" pitchFamily="49" charset="0"/>
-              </a:rPr>
-              <a:t>}</a:t>
-            </a:r>
-          </a:p>
-          <a:p>
-            <a:endParaRPr lang="en-US"/>
+              <a:rPr lang="en-US" sz="3200" dirty="0"/>
+              <a:t>need provenance recording that is augmented with richer information about model training inputs, including real-world experiments and observations, simulations, and the structures of other learning and analysis activities.</a:t>
+            </a:r>
           </a:p>
         </p:txBody>
       </p:sp>
@@ -4645,8 +4277,8 @@
         </p:nvSpPr>
         <p:spPr>
           <a:xfrm>
-            <a:off x="14691244" y="12307139"/>
-            <a:ext cx="11277600" cy="1250961"/>
+            <a:off x="14653144" y="12776065"/>
+            <a:ext cx="11277600" cy="12405646"/>
           </a:xfrm>
           <a:prstGeom prst="rect">
             <a:avLst/>
@@ -4663,53 +4295,178 @@
               <a:buChar char="•"/>
             </a:pPr>
             <a:r>
-              <a:rPr lang="en-US" sz="3200"/>
-              <a:t>The data dependencies and tasks resulting from complex, large scale scripts must be handled by a distributed memory system</a:t>
-            </a:r>
-          </a:p>
-        </p:txBody>
-      </p:sp>
-      <p:pic>
-        <p:nvPicPr>
-          <p:cNvPr id="1030" name="Picture 6" descr="C:\cygwin\home\wozniak\exm\papers\PPoPP_2013\poster\TurbineArch2.png"/>
-          <p:cNvPicPr>
-            <a:picLocks noChangeAspect="1" noChangeArrowheads="1"/>
-          </p:cNvPicPr>
-          <p:nvPr/>
-        </p:nvPicPr>
-        <p:blipFill>
-          <a:blip r:embed="rId7">
-            <a:extLst>
-              <a:ext uri="{28A0092B-C50C-407E-A947-70E740481C1C}">
-                <a14:useLocalDpi xmlns:a14="http://schemas.microsoft.com/office/drawing/2010/main" val="0"/>
-              </a:ext>
-            </a:extLst>
-          </a:blip>
-          <a:srcRect/>
-          <a:stretch>
-            <a:fillRect/>
-          </a:stretch>
-        </p:blipFill>
-        <p:spPr bwMode="auto">
-          <a:xfrm>
-            <a:off x="2733643" y="17602200"/>
-            <a:ext cx="8578913" cy="3842499"/>
-          </a:xfrm>
-          <a:prstGeom prst="rect">
-            <a:avLst/>
-          </a:prstGeom>
-          <a:noFill/>
-          <a:extLst>
-            <a:ext uri="{909E8E84-426E-40DD-AFC4-6F175D3DCCD1}">
-              <a14:hiddenFill xmlns:a14="http://schemas.microsoft.com/office/drawing/2010/main">
-                <a:solidFill>
-                  <a:srgbClr val="FFFFFF"/>
-                </a:solidFill>
-              </a14:hiddenFill>
-            </a:ext>
-          </a:extLst>
-        </p:spPr>
-      </p:pic>
+              <a:rPr lang="en-US" sz="3200" dirty="0"/>
+              <a:t>Braid workflows and policies make automated decisions in support of experimental science</a:t>
+            </a:r>
+          </a:p>
+          <a:p>
+            <a:pPr marL="457200" indent="-457200">
+              <a:buFont typeface="Arial" pitchFamily="34" charset="0"/>
+              <a:buChar char="•"/>
+            </a:pPr>
+            <a:r>
+              <a:rPr lang="en-US" sz="3200" dirty="0"/>
+              <a:t>Braid-DB tracks those decisions in terms of data dependency relationships among static data, experimental data, data derived from simulation or analysis, and ML model-produced data</a:t>
+            </a:r>
+          </a:p>
+          <a:p>
+            <a:pPr marL="457200" indent="-457200">
+              <a:buFont typeface="Arial" pitchFamily="34" charset="0"/>
+              <a:buChar char="•"/>
+            </a:pPr>
+            <a:r>
+              <a:rPr lang="en-US" sz="3200" dirty="0"/>
+              <a:t>The system produces </a:t>
+            </a:r>
+            <a:r>
+              <a:rPr lang="en-US" sz="3200" i="1" dirty="0"/>
+              <a:t>statements</a:t>
+            </a:r>
+            <a:r>
+              <a:rPr lang="en-US" sz="3200" dirty="0"/>
+              <a:t> that are supported by records in the database</a:t>
+            </a:r>
+          </a:p>
+          <a:p>
+            <a:pPr marL="457200" indent="-457200">
+              <a:buFont typeface="Arial" pitchFamily="34" charset="0"/>
+              <a:buChar char="•"/>
+            </a:pPr>
+            <a:r>
+              <a:rPr lang="en-US" sz="3200" dirty="0"/>
+              <a:t>Braid-DB extends traditional provenance capabilities by:</a:t>
+            </a:r>
+          </a:p>
+          <a:p>
+            <a:pPr marL="974725" lvl="1" indent="-457200">
+              <a:buFont typeface="Arial" panose="020B0604020202020204" pitchFamily="34" charset="0"/>
+              <a:buChar char="•"/>
+            </a:pPr>
+            <a:r>
+              <a:rPr lang="en-US" sz="3200" dirty="0"/>
+              <a:t>Allowing ML models to influence other models</a:t>
+            </a:r>
+          </a:p>
+          <a:p>
+            <a:pPr marL="974725" lvl="1" indent="-457200">
+              <a:buFont typeface="Arial" panose="020B0604020202020204" pitchFamily="34" charset="0"/>
+              <a:buChar char="•"/>
+            </a:pPr>
+            <a:r>
+              <a:rPr lang="en-US" sz="3200" dirty="0"/>
+              <a:t>Allowing ML models to be updated over time</a:t>
+            </a:r>
+          </a:p>
+          <a:p>
+            <a:pPr marL="974725" lvl="1" indent="-457200">
+              <a:buFont typeface="Arial" panose="020B0604020202020204" pitchFamily="34" charset="0"/>
+              <a:buChar char="•"/>
+            </a:pPr>
+            <a:endParaRPr lang="en-US" sz="3200" dirty="0"/>
+          </a:p>
+          <a:p>
+            <a:pPr marL="974725" lvl="1" indent="-457200">
+              <a:buFont typeface="Arial" panose="020B0604020202020204" pitchFamily="34" charset="0"/>
+              <a:buChar char="•"/>
+            </a:pPr>
+            <a:endParaRPr lang="en-US" sz="3200" dirty="0"/>
+          </a:p>
+          <a:p>
+            <a:pPr marL="974725" lvl="1" indent="-457200">
+              <a:buFont typeface="Arial" panose="020B0604020202020204" pitchFamily="34" charset="0"/>
+              <a:buChar char="•"/>
+            </a:pPr>
+            <a:endParaRPr lang="en-US" sz="3200" dirty="0"/>
+          </a:p>
+          <a:p>
+            <a:pPr marL="974725" lvl="1" indent="-457200">
+              <a:buFont typeface="Arial" panose="020B0604020202020204" pitchFamily="34" charset="0"/>
+              <a:buChar char="•"/>
+            </a:pPr>
+            <a:endParaRPr lang="en-US" sz="3200" dirty="0"/>
+          </a:p>
+          <a:p>
+            <a:pPr marL="974725" lvl="1" indent="-457200">
+              <a:buFont typeface="Arial" panose="020B0604020202020204" pitchFamily="34" charset="0"/>
+              <a:buChar char="•"/>
+            </a:pPr>
+            <a:endParaRPr lang="en-US" sz="3200" dirty="0"/>
+          </a:p>
+          <a:p>
+            <a:pPr marL="974725" lvl="1" indent="-457200">
+              <a:buFont typeface="Arial" panose="020B0604020202020204" pitchFamily="34" charset="0"/>
+              <a:buChar char="•"/>
+            </a:pPr>
+            <a:endParaRPr lang="en-US" sz="3200" dirty="0"/>
+          </a:p>
+          <a:p>
+            <a:pPr marL="974725" lvl="1" indent="-457200">
+              <a:buFont typeface="Arial" panose="020B0604020202020204" pitchFamily="34" charset="0"/>
+              <a:buChar char="•"/>
+            </a:pPr>
+            <a:endParaRPr lang="en-US" sz="3200" dirty="0"/>
+          </a:p>
+          <a:p>
+            <a:pPr marL="974725" lvl="1" indent="-457200">
+              <a:buFont typeface="Arial" panose="020B0604020202020204" pitchFamily="34" charset="0"/>
+              <a:buChar char="•"/>
+            </a:pPr>
+            <a:endParaRPr lang="en-US" sz="3200" dirty="0"/>
+          </a:p>
+          <a:p>
+            <a:pPr marL="974725" lvl="1" indent="-457200">
+              <a:buFont typeface="Arial" panose="020B0604020202020204" pitchFamily="34" charset="0"/>
+              <a:buChar char="•"/>
+            </a:pPr>
+            <a:endParaRPr lang="en-US" sz="3200" dirty="0"/>
+          </a:p>
+          <a:p>
+            <a:pPr marL="974725" lvl="1" indent="-457200">
+              <a:buFont typeface="Arial" panose="020B0604020202020204" pitchFamily="34" charset="0"/>
+              <a:buChar char="•"/>
+            </a:pPr>
+            <a:endParaRPr lang="en-US" sz="3200" dirty="0"/>
+          </a:p>
+          <a:p>
+            <a:pPr marL="457200" indent="-457200">
+              <a:buFont typeface="Arial" panose="020B0604020202020204" pitchFamily="34" charset="0"/>
+              <a:buChar char="•"/>
+            </a:pPr>
+            <a:r>
+              <a:rPr lang="en-US" sz="3200" dirty="0"/>
+              <a:t>The current system is implemented as a Python API and object model wrapped around a SQLite database</a:t>
+            </a:r>
+          </a:p>
+          <a:p>
+            <a:pPr marL="457200" indent="-457200">
+              <a:buFont typeface="Arial" panose="020B0604020202020204" pitchFamily="34" charset="0"/>
+              <a:buChar char="•"/>
+            </a:pPr>
+            <a:r>
+              <a:rPr lang="en-US" sz="3200" dirty="0"/>
+              <a:t>The system is also accessible via a </a:t>
+            </a:r>
+            <a:r>
+              <a:rPr lang="en-US" sz="3200" dirty="0" err="1"/>
+              <a:t>funcX</a:t>
+            </a:r>
+            <a:r>
+              <a:rPr lang="en-US" sz="3200" dirty="0"/>
+              <a:t> functional API</a:t>
+            </a:r>
+          </a:p>
+          <a:p>
+            <a:pPr marL="457200" indent="-457200">
+              <a:buFont typeface="Arial" panose="020B0604020202020204" pitchFamily="34" charset="0"/>
+              <a:buChar char="•"/>
+            </a:pPr>
+            <a:r>
+              <a:rPr lang="en-US" sz="3200" dirty="0"/>
+              <a:t>An MPI-enabled API will also be developed for use on HPC </a:t>
+            </a:r>
+          </a:p>
+        </p:txBody>
+      </p:sp>
       <p:sp>
         <p:nvSpPr>
           <p:cNvPr id="34" name="Rectangle 33"/>
@@ -4736,16 +4493,16 @@
               <a:buChar char="•"/>
             </a:pPr>
             <a:r>
-              <a:rPr lang="en-US" sz="3200"/>
-              <a:t>Generates </a:t>
-            </a:r>
-            <a:r>
-              <a:rPr lang="en-US" sz="3200" i="1"/>
-              <a:t>Turbine code</a:t>
-            </a:r>
-            <a:r>
-              <a:rPr lang="en-US" sz="3200"/>
-              <a:t> for the Turbine runtime library (Wozniak, 2012)</a:t>
+              <a:rPr lang="en-US" sz="3200" dirty="0"/>
+              <a:t>The over-arching Braid project funnels experimental data streams into Braid Workflows controlled by Globus Flows and </a:t>
+            </a:r>
+            <a:r>
+              <a:rPr lang="en-US" sz="3200" dirty="0" err="1"/>
+              <a:t>funcX</a:t>
+            </a:r>
+            <a:r>
+              <a:rPr lang="en-US" sz="3200" dirty="0"/>
+              <a:t> invocations</a:t>
             </a:r>
           </a:p>
           <a:p>
@@ -4753,7 +4510,10 @@
               <a:buFont typeface="Arial" pitchFamily="34" charset="0"/>
               <a:buChar char="•"/>
             </a:pPr>
-            <a:endParaRPr lang="en-US" sz="3200"/>
+            <a:r>
+              <a:rPr lang="en-US" sz="3200" dirty="0"/>
+              <a:t>ML may be applied to control the experiment, simulation, and analysis at multiple points in the workflow</a:t>
+            </a:r>
           </a:p>
           <a:p>
             <a:pPr marL="457200" indent="-457200">
@@ -4761,283 +4521,371 @@
               <a:buChar char="•"/>
             </a:pPr>
             <a:r>
-              <a:rPr lang="en-US" sz="3200"/>
-              <a:t>Translates data flow expressions into data dependent tasks</a:t>
-            </a:r>
-          </a:p>
-          <a:p>
-            <a:pPr marL="457200" indent="-457200">
-              <a:buFont typeface="Arial" pitchFamily="34" charset="0"/>
-              <a:buChar char="•"/>
-            </a:pPr>
-            <a:endParaRPr lang="en-US" sz="3200"/>
-          </a:p>
-          <a:p>
-            <a:pPr marL="457200" indent="-457200">
-              <a:buFont typeface="Arial" pitchFamily="34" charset="0"/>
-              <a:buChar char="•"/>
-            </a:pPr>
-            <a:r>
-              <a:rPr lang="en-US" sz="3200"/>
-              <a:t>Performs many optimizations – some general purpose, some specific to distributed memory computing</a:t>
-            </a:r>
-          </a:p>
-        </p:txBody>
-      </p:sp>
+              <a:rPr lang="en-US" sz="3200" dirty="0"/>
+              <a:t>Braid-DB captures the decisions made and relevant metadata for validation and/or fault diagnosis</a:t>
+            </a:r>
+          </a:p>
+        </p:txBody>
+      </p:sp>
+      <p:grpSp>
+        <p:nvGrpSpPr>
+          <p:cNvPr id="11" name="Group 10">
+            <a:extLst>
+              <a:ext uri="{FF2B5EF4-FFF2-40B4-BE49-F238E27FC236}">
+                <a16:creationId xmlns:a16="http://schemas.microsoft.com/office/drawing/2014/main" id="{E4B4FD83-A330-4FA0-B849-73D7AE11D6CE}"/>
+              </a:ext>
+            </a:extLst>
+          </p:cNvPr>
+          <p:cNvGrpSpPr/>
+          <p:nvPr/>
+        </p:nvGrpSpPr>
+        <p:grpSpPr>
+          <a:xfrm>
+            <a:off x="13743863" y="25929305"/>
+            <a:ext cx="13187917" cy="9147387"/>
+            <a:chOff x="13743863" y="25929305"/>
+            <a:chExt cx="13187917" cy="9147387"/>
+          </a:xfrm>
+        </p:grpSpPr>
+        <p:sp>
+          <p:nvSpPr>
+            <p:cNvPr id="38" name="Rounded Rectangle 63">
+              <a:extLst>
+                <a:ext uri="{FF2B5EF4-FFF2-40B4-BE49-F238E27FC236}">
+                  <a16:creationId xmlns:a16="http://schemas.microsoft.com/office/drawing/2014/main" id="{04878385-0344-4BFE-9C64-693B70EC1E48}"/>
+                </a:ext>
+              </a:extLst>
+            </p:cNvPr>
+            <p:cNvSpPr/>
+            <p:nvPr/>
+          </p:nvSpPr>
+          <p:spPr>
+            <a:xfrm>
+              <a:off x="13743863" y="25929305"/>
+              <a:ext cx="13164897" cy="9147387"/>
+            </a:xfrm>
+            <a:prstGeom prst="roundRect">
+              <a:avLst>
+                <a:gd name="adj" fmla="val 662"/>
+              </a:avLst>
+            </a:prstGeom>
+            <a:solidFill>
+              <a:schemeClr val="bg1"/>
+            </a:solidFill>
+          </p:spPr>
+          <p:style>
+            <a:lnRef idx="1">
+              <a:schemeClr val="accent1"/>
+            </a:lnRef>
+            <a:fillRef idx="3">
+              <a:schemeClr val="accent1"/>
+            </a:fillRef>
+            <a:effectRef idx="2">
+              <a:schemeClr val="accent1"/>
+            </a:effectRef>
+            <a:fontRef idx="minor">
+              <a:schemeClr val="lt1"/>
+            </a:fontRef>
+          </p:style>
+          <p:txBody>
+            <a:bodyPr lIns="76197" tIns="38098" rIns="76197" bIns="38098" rtlCol="0" anchor="ctr"/>
+            <a:lstStyle/>
+            <a:p>
+              <a:pPr algn="ctr"/>
+              <a:endParaRPr lang="en-US"/>
+            </a:p>
+          </p:txBody>
+        </p:sp>
+        <p:sp>
+          <p:nvSpPr>
+            <p:cNvPr id="8" name="TextBox 7"/>
+            <p:cNvSpPr txBox="1"/>
+            <p:nvPr/>
+          </p:nvSpPr>
+          <p:spPr>
+            <a:xfrm>
+              <a:off x="13864459" y="25933281"/>
+              <a:ext cx="13067321" cy="9048631"/>
+            </a:xfrm>
+            <a:prstGeom prst="rect">
+              <a:avLst/>
+            </a:prstGeom>
+            <a:noFill/>
+          </p:spPr>
+          <p:txBody>
+            <a:bodyPr wrap="square" rtlCol="0">
+              <a:spAutoFit/>
+            </a:bodyPr>
+            <a:lstStyle/>
+            <a:p>
+              <a:endParaRPr lang="en-US" sz="3000" dirty="0"/>
+            </a:p>
+            <a:p>
+              <a:pPr algn="ctr"/>
+              <a:r>
+                <a:rPr lang="en-US" sz="4000" dirty="0">
+                  <a:latin typeface="Arial Black" panose="020B0A04020102020204" pitchFamily="34" charset="0"/>
+                </a:rPr>
+                <a:t>Abstractions Stored in Database</a:t>
+              </a:r>
+              <a:endParaRPr lang="en-US" sz="4000" i="1" dirty="0">
+                <a:latin typeface="Arial Black" panose="020B0A04020102020204" pitchFamily="34" charset="0"/>
+              </a:endParaRPr>
+            </a:p>
+            <a:p>
+              <a:endParaRPr lang="en-US" sz="3000" dirty="0"/>
+            </a:p>
+            <a:p>
+              <a:r>
+                <a:rPr lang="en-US" sz="3000" b="1" dirty="0" err="1"/>
+                <a:t>BraidRecord</a:t>
+              </a:r>
+              <a:r>
+                <a:rPr lang="en-US" sz="3000" b="1" dirty="0"/>
+                <a:t>:</a:t>
+              </a:r>
+              <a:r>
+                <a:rPr lang="en-US" sz="3000" dirty="0"/>
+                <a:t> A super-class for Braid-DB provenance records.  Each such entity has a unique ID, a </a:t>
+              </a:r>
+              <a:r>
+                <a:rPr lang="en-US" sz="3200" dirty="0">
+                  <a:solidFill>
+                    <a:srgbClr val="7F7F7F"/>
+                  </a:solidFill>
+                </a:rPr>
+                <a:t>Swift PIPS script: </a:t>
+              </a:r>
+              <a:r>
+                <a:rPr lang="en-US" sz="3200" dirty="0"/>
+                <a:t>Parallel power grid analysis</a:t>
+              </a:r>
+              <a:endParaRPr lang="en-US" sz="3200" i="1" dirty="0"/>
+            </a:p>
+            <a:p>
+              <a:r>
+                <a:rPr lang="en-US" sz="3000" dirty="0"/>
+                <a:t>(possibly not unique) string name, a list of dependencies, and a dictionary of user-specified, string-keyed metadata tags,</a:t>
+              </a:r>
+            </a:p>
+            <a:p>
+              <a:r>
+                <a:rPr lang="en-US" sz="3000" b="1" dirty="0" err="1"/>
+                <a:t>BraidFact</a:t>
+              </a:r>
+              <a:r>
+                <a:rPr lang="en-US" sz="3000" b="1" dirty="0"/>
+                <a:t>:</a:t>
+              </a:r>
+              <a:r>
+                <a:rPr lang="en-US" sz="3000" dirty="0"/>
+                <a:t> A simpler object consisting of static data: for example, pre-existing trusted data or software, etc.  </a:t>
+              </a:r>
+              <a:r>
+                <a:rPr lang="en-US" sz="3000" dirty="0" err="1"/>
+                <a:t>BraidFacts</a:t>
+              </a:r>
+              <a:r>
+                <a:rPr lang="en-US" sz="3000" dirty="0"/>
+                <a:t> may have a provenance outside the Braid-DB system.</a:t>
+              </a:r>
+            </a:p>
+            <a:p>
+              <a:r>
+                <a:rPr lang="en-US" sz="3000" b="1" dirty="0" err="1"/>
+                <a:t>BraidData</a:t>
+              </a:r>
+              <a:r>
+                <a:rPr lang="en-US" sz="3000" b="1" dirty="0"/>
+                <a:t>:</a:t>
+              </a:r>
+              <a:r>
+                <a:rPr lang="en-US" sz="3000" dirty="0"/>
+                <a:t> The Braid-DB representation of traditional provenance-tracked data, with traditional conceptions of its derivation history from other </a:t>
+              </a:r>
+              <a:r>
+                <a:rPr lang="en-US" sz="3000" dirty="0" err="1"/>
+                <a:t>BraidData</a:t>
+              </a:r>
+              <a:r>
+                <a:rPr lang="en-US" sz="3000" dirty="0"/>
+                <a:t> and/or </a:t>
+              </a:r>
+              <a:r>
+                <a:rPr lang="en-US" sz="3000" dirty="0" err="1"/>
+                <a:t>BraidFacts</a:t>
+              </a:r>
+              <a:r>
+                <a:rPr lang="en-US" sz="3000" dirty="0"/>
+                <a:t>.  A Braid-DB containing only </a:t>
+              </a:r>
+              <a:r>
+                <a:rPr lang="en-US" sz="3000" dirty="0" err="1"/>
+                <a:t>BraidData</a:t>
+              </a:r>
+              <a:r>
+                <a:rPr lang="en-US" sz="3000" dirty="0"/>
+                <a:t> and </a:t>
+              </a:r>
+              <a:r>
+                <a:rPr lang="en-US" sz="3000" dirty="0" err="1"/>
+                <a:t>BraidFacts</a:t>
+              </a:r>
+              <a:r>
+                <a:rPr lang="en-US" sz="3000" dirty="0"/>
+                <a:t> would be functionally indistinguishable from a traditional provenance database.</a:t>
+              </a:r>
+              <a:endParaRPr lang="en-US" sz="3000" b="1" dirty="0"/>
+            </a:p>
+            <a:p>
+              <a:r>
+                <a:rPr lang="en-US" sz="3000" b="1" dirty="0" err="1"/>
+                <a:t>BraidModel</a:t>
+              </a:r>
+              <a:r>
+                <a:rPr lang="en-US" sz="3000" b="1" dirty="0"/>
+                <a:t>:</a:t>
+              </a:r>
+              <a:r>
+                <a:rPr lang="en-US" sz="3000" dirty="0"/>
+                <a:t> An ML model tracked by Braid-DB.  A </a:t>
+              </a:r>
+              <a:r>
+                <a:rPr lang="en-US" sz="3000" dirty="0" err="1"/>
+                <a:t>BraidModel</a:t>
+              </a:r>
+              <a:r>
+                <a:rPr lang="en-US" sz="3000" dirty="0"/>
+                <a:t> has the additional capability </a:t>
+              </a:r>
+              <a:r>
+                <a:rPr lang="en-US" sz="3000" dirty="0">
+                  <a:latin typeface="Consolas" panose="020B0609020204030204" pitchFamily="49" charset="0"/>
+                </a:rPr>
+                <a:t>update() </a:t>
+              </a:r>
+              <a:r>
+                <a:rPr lang="en-US" sz="3000" dirty="0"/>
+                <a:t>, which represents model exposure to other </a:t>
+              </a:r>
+              <a:r>
+                <a:rPr lang="en-US" sz="3000" dirty="0" err="1"/>
+                <a:t>BraidRecords</a:t>
+              </a:r>
+              <a:r>
+                <a:rPr lang="en-US" sz="3000" dirty="0"/>
+                <a:t>, possibly including other models.  This includes the possibility of dependency cycles that capture complex interactions among models and data as experiment workflows progress.</a:t>
+              </a:r>
+            </a:p>
+          </p:txBody>
+        </p:sp>
+      </p:grpSp>
       <p:pic>
         <p:nvPicPr>
-          <p:cNvPr id="1032" name="Picture 8" descr="C:\cygwin\home\wozniak\exm\papers\PPoPP_2013\poster\mini-dataflow.png"/>
+          <p:cNvPr id="6" name="Picture 5">
+            <a:extLst>
+              <a:ext uri="{FF2B5EF4-FFF2-40B4-BE49-F238E27FC236}">
+                <a16:creationId xmlns:a16="http://schemas.microsoft.com/office/drawing/2014/main" id="{F861CC97-7161-4B5D-8C98-22522CDA88BE}"/>
+              </a:ext>
+            </a:extLst>
+          </p:cNvPr>
           <p:cNvPicPr>
-            <a:picLocks noChangeAspect="1" noChangeArrowheads="1"/>
+            <a:picLocks noChangeAspect="1"/>
           </p:cNvPicPr>
           <p:nvPr/>
         </p:nvPicPr>
         <p:blipFill>
-          <a:blip r:embed="rId8">
-            <a:extLst>
-              <a:ext uri="{28A0092B-C50C-407E-A947-70E740481C1C}">
-                <a14:useLocalDpi xmlns:a14="http://schemas.microsoft.com/office/drawing/2010/main" val="0"/>
-              </a:ext>
-            </a:extLst>
-          </a:blip>
-          <a:srcRect/>
+          <a:blip r:embed="rId4"/>
           <a:stretch>
             <a:fillRect/>
           </a:stretch>
         </p:blipFill>
-        <p:spPr bwMode="auto">
-          <a:xfrm>
-            <a:off x="14179586" y="7582390"/>
-            <a:ext cx="5932512" cy="3955008"/>
-          </a:xfrm>
-          <a:prstGeom prst="rect">
-            <a:avLst/>
-          </a:prstGeom>
-          <a:noFill/>
-          <a:extLst>
-            <a:ext uri="{909E8E84-426E-40DD-AFC4-6F175D3DCCD1}">
-              <a14:hiddenFill xmlns:a14="http://schemas.microsoft.com/office/drawing/2010/main">
-                <a:solidFill>
-                  <a:srgbClr val="FFFFFF"/>
-                </a:solidFill>
-              </a14:hiddenFill>
-            </a:ext>
-          </a:extLst>
-        </p:spPr>
-      </p:pic>
-      <p:sp>
-        <p:nvSpPr>
-          <p:cNvPr id="37" name="Rectangle 36"/>
-          <p:cNvSpPr/>
-          <p:nvPr/>
-        </p:nvSpPr>
         <p:spPr>
           <a:xfrm>
-            <a:off x="20200258" y="7530681"/>
-            <a:ext cx="6487044" cy="5401939"/>
+            <a:off x="2370711" y="17683049"/>
+            <a:ext cx="8525890" cy="3633986"/>
           </a:xfrm>
           <a:prstGeom prst="rect">
             <a:avLst/>
           </a:prstGeom>
         </p:spPr>
-        <p:txBody>
-          <a:bodyPr>
-            <a:noAutofit/>
-          </a:bodyPr>
-          <a:lstStyle/>
-          <a:p>
-            <a:pPr marL="457200" indent="-457200">
-              <a:buFont typeface="Arial" pitchFamily="34" charset="0"/>
-              <a:buChar char="•"/>
-            </a:pPr>
-            <a:r>
-              <a:rPr lang="en-US" sz="3200" b="1"/>
-              <a:t>Compositional programming: </a:t>
-            </a:r>
-            <a:br>
-              <a:rPr lang="en-US" sz="3200" b="1"/>
-            </a:br>
-            <a:r>
-              <a:rPr lang="en-US" sz="3200"/>
-              <a:t>User script integrates multiple libraries into a dataflow application</a:t>
-            </a:r>
-          </a:p>
-          <a:p>
-            <a:pPr marL="457200" indent="-457200">
-              <a:buFont typeface="Arial" pitchFamily="34" charset="0"/>
-              <a:buChar char="•"/>
-            </a:pPr>
-            <a:endParaRPr lang="en-US" sz="3200"/>
-          </a:p>
-          <a:p>
-            <a:pPr marL="457200" indent="-457200">
-              <a:buFont typeface="Arial" pitchFamily="34" charset="0"/>
-              <a:buChar char="•"/>
-            </a:pPr>
-            <a:r>
-              <a:rPr lang="en-US" sz="3200"/>
-              <a:t>Whole program runs over MPI </a:t>
-            </a:r>
-          </a:p>
-          <a:p>
-            <a:pPr marL="457200" indent="-457200">
-              <a:buFont typeface="Arial" pitchFamily="34" charset="0"/>
-              <a:buChar char="•"/>
-            </a:pPr>
-            <a:endParaRPr lang="en-US" sz="3200"/>
-          </a:p>
-          <a:p>
-            <a:pPr marL="457200" indent="-457200">
-              <a:buFont typeface="Arial" pitchFamily="34" charset="0"/>
-              <a:buChar char="•"/>
-            </a:pPr>
-            <a:r>
-              <a:rPr lang="en-US" sz="3200"/>
-              <a:t>We provide tools to call native libraries from Swift – not just executables</a:t>
-            </a:r>
-          </a:p>
-        </p:txBody>
-      </p:sp>
+      </p:pic>
       <p:pic>
         <p:nvPicPr>
-          <p:cNvPr id="1033" name="Picture 9" descr="C:\cygwin\home\wozniak\exm\papers\PPoPP_2013\poster\arch.png"/>
+          <p:cNvPr id="10" name="Picture 9">
+            <a:extLst>
+              <a:ext uri="{FF2B5EF4-FFF2-40B4-BE49-F238E27FC236}">
+                <a16:creationId xmlns:a16="http://schemas.microsoft.com/office/drawing/2014/main" id="{0F263461-4641-4960-824B-36FFE3990867}"/>
+              </a:ext>
+            </a:extLst>
+          </p:cNvPr>
           <p:cNvPicPr>
-            <a:picLocks noChangeAspect="1" noChangeArrowheads="1"/>
+            <a:picLocks noChangeAspect="1"/>
           </p:cNvPicPr>
           <p:nvPr/>
         </p:nvPicPr>
         <p:blipFill>
-          <a:blip r:embed="rId9">
-            <a:extLst>
-              <a:ext uri="{28A0092B-C50C-407E-A947-70E740481C1C}">
-                <a14:useLocalDpi xmlns:a14="http://schemas.microsoft.com/office/drawing/2010/main" val="0"/>
-              </a:ext>
-            </a:extLst>
-          </a:blip>
-          <a:srcRect/>
+          <a:blip r:embed="rId5"/>
           <a:stretch>
             <a:fillRect/>
           </a:stretch>
         </p:blipFill>
-        <p:spPr bwMode="auto">
-          <a:xfrm>
-            <a:off x="15331015" y="20770399"/>
-            <a:ext cx="9205385" cy="3473998"/>
-          </a:xfrm>
-          <a:prstGeom prst="rect">
-            <a:avLst/>
-          </a:prstGeom>
-          <a:noFill/>
-          <a:extLst>
-            <a:ext uri="{909E8E84-426E-40DD-AFC4-6F175D3DCCD1}">
-              <a14:hiddenFill xmlns:a14="http://schemas.microsoft.com/office/drawing/2010/main">
-                <a:solidFill>
-                  <a:srgbClr val="FFFFFF"/>
-                </a:solidFill>
-              </a14:hiddenFill>
-            </a:ext>
-          </a:extLst>
-        </p:spPr>
-      </p:pic>
-      <p:sp>
-        <p:nvSpPr>
-          <p:cNvPr id="39" name="Rectangle 38"/>
-          <p:cNvSpPr/>
-          <p:nvPr/>
-        </p:nvSpPr>
         <p:spPr>
           <a:xfrm>
-            <a:off x="14332590" y="19628829"/>
-            <a:ext cx="11277600" cy="1250961"/>
+            <a:off x="15524093" y="7672693"/>
+            <a:ext cx="10086097" cy="4846930"/>
           </a:xfrm>
           <a:prstGeom prst="rect">
             <a:avLst/>
           </a:prstGeom>
         </p:spPr>
-        <p:txBody>
-          <a:bodyPr>
-            <a:noAutofit/>
-          </a:bodyPr>
-          <a:lstStyle/>
-          <a:p>
-            <a:pPr marL="457200" indent="-457200">
-              <a:buFont typeface="Arial" pitchFamily="34" charset="0"/>
-              <a:buChar char="•"/>
-            </a:pPr>
-            <a:r>
-              <a:rPr lang="en-US" sz="3200"/>
-              <a:t>Less than 1% of the MPI processes are used as </a:t>
-            </a:r>
-            <a:r>
-              <a:rPr lang="en-US" sz="3200" i="1"/>
-              <a:t>engines</a:t>
-            </a:r>
-            <a:r>
-              <a:rPr lang="en-US" sz="3200"/>
-              <a:t> or </a:t>
-            </a:r>
-            <a:r>
-              <a:rPr lang="en-US" sz="3200" i="1"/>
-              <a:t>servers</a:t>
-            </a:r>
-            <a:r>
-              <a:rPr lang="en-US" sz="3200"/>
-              <a:t>, which process dataflow logic, manage tasks and data</a:t>
-            </a:r>
-          </a:p>
-        </p:txBody>
-      </p:sp>
+      </p:pic>
       <p:pic>
         <p:nvPicPr>
-          <p:cNvPr id="1034" name="Picture 10" descr="C:\cygwin\home\wozniak\exm\materials\pips-plot\pips-cutoff.png"/>
+          <p:cNvPr id="13" name="Picture 12">
+            <a:extLst>
+              <a:ext uri="{FF2B5EF4-FFF2-40B4-BE49-F238E27FC236}">
+                <a16:creationId xmlns:a16="http://schemas.microsoft.com/office/drawing/2014/main" id="{602470E1-C3EB-4EAF-B8A5-DDA2618A3D4B}"/>
+              </a:ext>
+            </a:extLst>
+          </p:cNvPr>
           <p:cNvPicPr>
-            <a:picLocks noChangeAspect="1" noChangeArrowheads="1"/>
+            <a:picLocks noChangeAspect="1"/>
           </p:cNvPicPr>
           <p:nvPr/>
         </p:nvPicPr>
         <p:blipFill>
-          <a:blip r:embed="rId10">
-            <a:extLst>
-              <a:ext uri="{28A0092B-C50C-407E-A947-70E740481C1C}">
-                <a14:useLocalDpi xmlns:a14="http://schemas.microsoft.com/office/drawing/2010/main" val="0"/>
-              </a:ext>
-            </a:extLst>
-          </a:blip>
-          <a:srcRect/>
+          <a:blip r:embed="rId6"/>
           <a:stretch>
             <a:fillRect/>
           </a:stretch>
         </p:blipFill>
-        <p:spPr bwMode="auto">
+        <p:spPr>
           <a:xfrm>
-            <a:off x="6055720" y="29257896"/>
-            <a:ext cx="7168608" cy="3584304"/>
+            <a:off x="14807166" y="18071258"/>
+            <a:ext cx="11862833" cy="4104833"/>
           </a:xfrm>
           <a:prstGeom prst="rect">
             <a:avLst/>
           </a:prstGeom>
-          <a:noFill/>
-          <a:extLst>
-            <a:ext uri="{909E8E84-426E-40DD-AFC4-6F175D3DCCD1}">
-              <a14:hiddenFill xmlns:a14="http://schemas.microsoft.com/office/drawing/2010/main">
-                <a:solidFill>
-                  <a:srgbClr val="FFFFFF"/>
-                </a:solidFill>
-              </a14:hiddenFill>
-            </a:ext>
-          </a:extLst>
         </p:spPr>
       </p:pic>
       <p:sp>
         <p:nvSpPr>
-          <p:cNvPr id="8" name="TextBox 7"/>
+          <p:cNvPr id="41" name="TextBox 40">
+            <a:extLst>
+              <a:ext uri="{FF2B5EF4-FFF2-40B4-BE49-F238E27FC236}">
+                <a16:creationId xmlns:a16="http://schemas.microsoft.com/office/drawing/2014/main" id="{22CBC32F-4040-4ABD-9885-415FE6B8479B}"/>
+              </a:ext>
+            </a:extLst>
+          </p:cNvPr>
           <p:cNvSpPr txBox="1"/>
           <p:nvPr/>
         </p:nvSpPr>
         <p:spPr>
           <a:xfrm>
-            <a:off x="13743864" y="25792161"/>
-            <a:ext cx="13535736" cy="9264075"/>
+            <a:off x="687015" y="25737519"/>
+            <a:ext cx="12559085" cy="9048631"/>
           </a:xfrm>
           <a:prstGeom prst="rect">
             <a:avLst/>
@@ -5050,186 +4898,163 @@
           </a:bodyPr>
           <a:lstStyle/>
           <a:p>
-            <a:r>
-              <a:rPr lang="en-US" sz="4800">
+            <a:endParaRPr lang="en-US" sz="3000" dirty="0"/>
+          </a:p>
+          <a:p>
+            <a:pPr algn="ctr"/>
+            <a:r>
+              <a:rPr lang="en-US" sz="4000" dirty="0">
+                <a:latin typeface="Arial Black" panose="020B0A04020102020204" pitchFamily="34" charset="0"/>
+              </a:rPr>
+              <a:t>Applications</a:t>
+            </a:r>
+            <a:endParaRPr lang="en-US" sz="4000" i="1" dirty="0">
+              <a:latin typeface="Arial Black" panose="020B0A04020102020204" pitchFamily="34" charset="0"/>
+            </a:endParaRPr>
+          </a:p>
+          <a:p>
+            <a:endParaRPr lang="en-US" sz="3000" dirty="0"/>
+          </a:p>
+          <a:p>
+            <a:r>
+              <a:rPr lang="en-US" sz="3000" b="1" dirty="0" err="1"/>
+              <a:t>BraidRecord</a:t>
+            </a:r>
+            <a:r>
+              <a:rPr lang="en-US" sz="3000" b="1" dirty="0"/>
+              <a:t>:</a:t>
+            </a:r>
+            <a:r>
+              <a:rPr lang="en-US" sz="3000" dirty="0"/>
+              <a:t> A super-class for Braid-DB provenance records.  Each such entity has a unique ID, a </a:t>
+            </a:r>
+            <a:r>
+              <a:rPr lang="en-US" sz="3200" dirty="0">
                 <a:solidFill>
                   <a:srgbClr val="7F7F7F"/>
                 </a:solidFill>
               </a:rPr>
-              <a:t>References</a:t>
-            </a:r>
-            <a:br>
-              <a:rPr lang="en-US" sz="3200">
-                <a:solidFill>
-                  <a:srgbClr val="7F7F7F"/>
-                </a:solidFill>
+              <a:t>Swift PIPS script: </a:t>
+            </a:r>
+            <a:r>
+              <a:rPr lang="en-US" sz="3200" dirty="0"/>
+              <a:t>Parallel power grid analysis</a:t>
+            </a:r>
+            <a:endParaRPr lang="en-US" sz="3200" i="1" dirty="0"/>
+          </a:p>
+          <a:p>
+            <a:r>
+              <a:rPr lang="en-US" sz="3000" dirty="0"/>
+              <a:t>(possibly not unique) string name, a list of dependencies, and a dictionary of user-specified, string-keyed metadata tags,</a:t>
+            </a:r>
+          </a:p>
+          <a:p>
+            <a:r>
+              <a:rPr lang="en-US" sz="3000" b="1" dirty="0" err="1"/>
+              <a:t>BraidFact</a:t>
+            </a:r>
+            <a:r>
+              <a:rPr lang="en-US" sz="3000" b="1" dirty="0"/>
+              <a:t>:</a:t>
+            </a:r>
+            <a:r>
+              <a:rPr lang="en-US" sz="3000" dirty="0"/>
+              <a:t> A simpler object consisting of static data: for example, pre-existing trusted data or software, etc.  </a:t>
+            </a:r>
+            <a:r>
+              <a:rPr lang="en-US" sz="3000" dirty="0" err="1"/>
+              <a:t>BraidFacts</a:t>
+            </a:r>
+            <a:r>
+              <a:rPr lang="en-US" sz="3000" dirty="0"/>
+              <a:t> may have a provenance outside the Braid-DB system.</a:t>
+            </a:r>
+          </a:p>
+          <a:p>
+            <a:r>
+              <a:rPr lang="en-US" sz="3000" b="1" dirty="0" err="1"/>
+              <a:t>BraidData</a:t>
+            </a:r>
+            <a:r>
+              <a:rPr lang="en-US" sz="3000" b="1" dirty="0"/>
+              <a:t>:</a:t>
+            </a:r>
+            <a:r>
+              <a:rPr lang="en-US" sz="3000" dirty="0"/>
+              <a:t> The Braid-DB representation of traditional provenance-tracked data, with traditional conceptions of its derivation history from other </a:t>
+            </a:r>
+            <a:r>
+              <a:rPr lang="en-US" sz="3000" dirty="0" err="1"/>
+              <a:t>BraidData</a:t>
+            </a:r>
+            <a:r>
+              <a:rPr lang="en-US" sz="3000" dirty="0"/>
+              <a:t> and/or </a:t>
+            </a:r>
+            <a:r>
+              <a:rPr lang="en-US" sz="3000" dirty="0" err="1"/>
+              <a:t>BraidFacts</a:t>
+            </a:r>
+            <a:r>
+              <a:rPr lang="en-US" sz="3000" dirty="0"/>
+              <a:t>.  A Braid-DB containing only </a:t>
+            </a:r>
+            <a:r>
+              <a:rPr lang="en-US" sz="3000" dirty="0" err="1"/>
+              <a:t>BraidData</a:t>
+            </a:r>
+            <a:r>
+              <a:rPr lang="en-US" sz="3000" dirty="0"/>
+              <a:t> and </a:t>
+            </a:r>
+            <a:r>
+              <a:rPr lang="en-US" sz="3000" dirty="0" err="1"/>
+              <a:t>BraidFacts</a:t>
+            </a:r>
+            <a:r>
+              <a:rPr lang="en-US" sz="3000" dirty="0"/>
+              <a:t> would be functionally indistinguishable from a traditional provenance database.</a:t>
+            </a:r>
+            <a:endParaRPr lang="en-US" sz="3000" b="1" dirty="0"/>
+          </a:p>
+          <a:p>
+            <a:r>
+              <a:rPr lang="en-US" sz="3000" b="1" dirty="0" err="1"/>
+              <a:t>BraidModel</a:t>
+            </a:r>
+            <a:r>
+              <a:rPr lang="en-US" sz="3000" b="1" dirty="0"/>
+              <a:t>:</a:t>
+            </a:r>
+            <a:r>
+              <a:rPr lang="en-US" sz="3000" dirty="0"/>
+              <a:t> An ML model tracked by Braid-DB.  A </a:t>
+            </a:r>
+            <a:r>
+              <a:rPr lang="en-US" sz="3000" dirty="0" err="1"/>
+              <a:t>BraidModel</a:t>
+            </a:r>
+            <a:r>
+              <a:rPr lang="en-US" sz="3000" dirty="0"/>
+              <a:t> has the additional capability </a:t>
+            </a:r>
+            <a:r>
+              <a:rPr lang="en-US" sz="3000" dirty="0">
+                <a:latin typeface="Consolas" panose="020B0609020204030204" pitchFamily="49" charset="0"/>
               </a:rPr>
-            </a:br>
-            <a:endParaRPr lang="en-US" sz="3200"/>
-          </a:p>
-          <a:p>
-            <a:pPr marL="457200" indent="-457200">
-              <a:buFont typeface="Arial" pitchFamily="34" charset="0"/>
-              <a:buChar char="•"/>
-            </a:pPr>
-            <a:r>
-              <a:rPr lang="en-US" sz="3000"/>
-              <a:t>J. M. Wozniak, T. G. Armstrong, M. Wilde, D. S. Katz, E. Lusk, I. T. Foster. </a:t>
-            </a:r>
-            <a:br>
-              <a:rPr lang="en-US" sz="3000"/>
-            </a:br>
-            <a:r>
-              <a:rPr lang="en-US" sz="3000" b="1"/>
-              <a:t>Swift/T: Large-scale application composition via distributed-memory data flow processing. </a:t>
-            </a:r>
-            <a:r>
-              <a:rPr lang="en-US" sz="3000"/>
-              <a:t>Proc. CCGrid 2013.</a:t>
-            </a:r>
-          </a:p>
-          <a:p>
-            <a:pPr marL="457200" indent="-457200">
-              <a:buFont typeface="Arial" pitchFamily="34" charset="0"/>
-              <a:buChar char="•"/>
-            </a:pPr>
-            <a:r>
-              <a:rPr lang="en-US" sz="3000"/>
-              <a:t>J. M. Wozniak, A. Chan, T. G. Armstrong, M. Wilde, E. Lusk, I. T. Foster.</a:t>
-            </a:r>
-            <a:br>
-              <a:rPr lang="en-US" sz="3000"/>
-            </a:br>
-            <a:r>
-              <a:rPr lang="en-US" sz="3000" b="1"/>
-              <a:t>A model for tracing and debugging large-scale task-parallel programs with MPE.</a:t>
-            </a:r>
-            <a:r>
-              <a:rPr lang="en-US" sz="3000"/>
-              <a:t> Proc. Workshop on Leveraging Abstractions and Semantics in High-performance Computing (LASH-C) at PPoPP 2013.</a:t>
-            </a:r>
-          </a:p>
-          <a:p>
-            <a:pPr marL="457200" indent="-457200">
-              <a:buFont typeface="Arial" pitchFamily="34" charset="0"/>
-              <a:buChar char="•"/>
-            </a:pPr>
-            <a:r>
-              <a:rPr lang="en-US" sz="3000"/>
-              <a:t>J. M. Wozniak, T. G. Armstrong, M. Wilde, K. Maheshwari, D. S. Katz, E. L. Lusk, and I. T. Foster. </a:t>
-            </a:r>
-            <a:r>
-              <a:rPr lang="en-US" sz="3000" b="1"/>
-              <a:t>Turbine: A distributed-memory dataflow engine for extreme-scale many-task applications. </a:t>
-            </a:r>
-            <a:r>
-              <a:rPr lang="en-US" sz="3000"/>
-              <a:t>Proc. Workshop on Scalable Workflow Enactment Engines and Technologies (SWEET) 2012.</a:t>
-            </a:r>
-          </a:p>
-          <a:p>
-            <a:pPr marL="457200" indent="-457200">
-              <a:buFont typeface="Arial" pitchFamily="34" charset="0"/>
-              <a:buChar char="•"/>
-            </a:pPr>
-            <a:r>
-              <a:rPr lang="en-US" sz="3000"/>
-              <a:t>M. Wilde, M. Hategan, J. M. Wozniak, B. Clifford, D. S. Katz and I. T. Foster. </a:t>
-            </a:r>
-            <a:br>
-              <a:rPr lang="en-US" sz="3000"/>
-            </a:br>
-            <a:r>
-              <a:rPr lang="en-US" sz="3000" b="1"/>
-              <a:t>Swift: A language for distributed parallel scripting. </a:t>
-            </a:r>
-            <a:br>
-              <a:rPr lang="en-US" sz="3000" b="1"/>
-            </a:br>
-            <a:r>
-              <a:rPr lang="en-US" sz="3000"/>
-              <a:t>Parallel Computing 37(9), 2011.</a:t>
-            </a:r>
-          </a:p>
-          <a:p>
-            <a:pPr marL="457200" indent="-457200">
-              <a:buFont typeface="Arial" pitchFamily="34" charset="0"/>
-              <a:buChar char="•"/>
-            </a:pPr>
-            <a:r>
-              <a:rPr lang="en-US" sz="3000"/>
-              <a:t>E. L. Lusk, S. C. Pieper, and R. M. Butler. </a:t>
-            </a:r>
-            <a:r>
-              <a:rPr lang="en-US" sz="3000" b="1"/>
-              <a:t>More scalability, less pain: A simple programming model and its implementation for extreme computing.</a:t>
-            </a:r>
-            <a:r>
-              <a:rPr lang="en-US" sz="3000"/>
-              <a:t> </a:t>
-            </a:r>
-            <a:br>
-              <a:rPr lang="en-US" sz="3000"/>
-            </a:br>
-            <a:r>
-              <a:rPr lang="en-US" sz="3000"/>
-              <a:t>SciDAC Review, 2010.</a:t>
-            </a:r>
-          </a:p>
-        </p:txBody>
-      </p:sp>
-      <p:pic>
-        <p:nvPicPr>
-          <p:cNvPr id="29" name="Picture 28" descr="pips-script.pdf"/>
-          <p:cNvPicPr>
-            <a:picLocks noChangeAspect="1"/>
-          </p:cNvPicPr>
-          <p:nvPr/>
-        </p:nvPicPr>
-        <p:blipFill>
-          <a:blip r:embed="rId11"/>
-          <a:stretch>
-            <a:fillRect/>
-          </a:stretch>
-        </p:blipFill>
-        <p:spPr>
-          <a:xfrm>
-            <a:off x="511444" y="26273397"/>
-            <a:ext cx="6798668" cy="5969000"/>
-          </a:xfrm>
-          <a:prstGeom prst="rect">
-            <a:avLst/>
-          </a:prstGeom>
-        </p:spPr>
-      </p:pic>
-      <p:sp>
-        <p:nvSpPr>
-          <p:cNvPr id="46" name="Rectangle 45"/>
-          <p:cNvSpPr/>
-          <p:nvPr/>
-        </p:nvSpPr>
-        <p:spPr>
-          <a:xfrm>
-            <a:off x="14735629" y="24263729"/>
-            <a:ext cx="11277600" cy="1250961"/>
-          </a:xfrm>
-          <a:prstGeom prst="rect">
-            <a:avLst/>
-          </a:prstGeom>
-        </p:spPr>
-        <p:txBody>
-          <a:bodyPr>
-            <a:noAutofit/>
-          </a:bodyPr>
-          <a:lstStyle/>
-          <a:p>
-            <a:pPr marL="457200" indent="-457200">
-              <a:buFont typeface="Arial" pitchFamily="34" charset="0"/>
-              <a:buChar char="•"/>
-            </a:pPr>
-            <a:r>
-              <a:rPr lang="en-US" sz="3200"/>
-              <a:t>The Asynchronous Dynamic Load Balancer (ADLB) was developed previously (Lusk, 2010)</a:t>
+              <a:t>update() </a:t>
+            </a:r>
+            <a:r>
+              <a:rPr lang="en-US" sz="3000" dirty="0"/>
+              <a:t>, which represents model exposure to other </a:t>
+            </a:r>
+            <a:r>
+              <a:rPr lang="en-US" sz="3000" dirty="0" err="1"/>
+              <a:t>BraidRecords</a:t>
+            </a:r>
+            <a:r>
+              <a:rPr lang="en-US" sz="3000" dirty="0"/>
+              <a:t>, possibly including other models.  This includes the possibility of dependency cycles that capture complex interactions among models and data as experiment workflows progress.</a:t>
             </a:r>
           </a:p>
         </p:txBody>

--- a/2021/SMC/Braid-DB.pptx
+++ b/2021/SMC/Braid-DB.pptx
@@ -209,7 +209,7 @@
             <a:fld id="{6DB5BE4C-DE2E-524E-B244-9274EEA7A61C}" type="datetimeFigureOut">
               <a:rPr lang="en-US" smtClean="0"/>
               <a:pPr/>
-              <a:t>9/27/2021</a:t>
+              <a:t>2021-09-29</a:t>
             </a:fld>
             <a:endParaRPr lang="en-US"/>
           </a:p>
@@ -746,7 +746,7 @@
             <a:fld id="{9A00FA51-1785-FA41-96ED-D701FDE160E6}" type="datetimeFigureOut">
               <a:rPr lang="en-US" smtClean="0"/>
               <a:pPr/>
-              <a:t>9/27/2021</a:t>
+              <a:t>2021-09-29</a:t>
             </a:fld>
             <a:endParaRPr lang="en-US"/>
           </a:p>
@@ -911,7 +911,7 @@
             <a:fld id="{9A00FA51-1785-FA41-96ED-D701FDE160E6}" type="datetimeFigureOut">
               <a:rPr lang="en-US" smtClean="0"/>
               <a:pPr/>
-              <a:t>9/27/2021</a:t>
+              <a:t>2021-09-29</a:t>
             </a:fld>
             <a:endParaRPr lang="en-US"/>
           </a:p>
@@ -1086,7 +1086,7 @@
             <a:fld id="{9A00FA51-1785-FA41-96ED-D701FDE160E6}" type="datetimeFigureOut">
               <a:rPr lang="en-US" smtClean="0"/>
               <a:pPr/>
-              <a:t>9/27/2021</a:t>
+              <a:t>2021-09-29</a:t>
             </a:fld>
             <a:endParaRPr lang="en-US"/>
           </a:p>
@@ -1251,7 +1251,7 @@
             <a:fld id="{9A00FA51-1785-FA41-96ED-D701FDE160E6}" type="datetimeFigureOut">
               <a:rPr lang="en-US" smtClean="0"/>
               <a:pPr/>
-              <a:t>9/27/2021</a:t>
+              <a:t>2021-09-29</a:t>
             </a:fld>
             <a:endParaRPr lang="en-US"/>
           </a:p>
@@ -1493,7 +1493,7 @@
             <a:fld id="{9A00FA51-1785-FA41-96ED-D701FDE160E6}" type="datetimeFigureOut">
               <a:rPr lang="en-US" smtClean="0"/>
               <a:pPr/>
-              <a:t>9/27/2021</a:t>
+              <a:t>2021-09-29</a:t>
             </a:fld>
             <a:endParaRPr lang="en-US"/>
           </a:p>
@@ -1775,7 +1775,7 @@
             <a:fld id="{9A00FA51-1785-FA41-96ED-D701FDE160E6}" type="datetimeFigureOut">
               <a:rPr lang="en-US" smtClean="0"/>
               <a:pPr/>
-              <a:t>9/27/2021</a:t>
+              <a:t>2021-09-29</a:t>
             </a:fld>
             <a:endParaRPr lang="en-US"/>
           </a:p>
@@ -2196,7 +2196,7 @@
             <a:fld id="{9A00FA51-1785-FA41-96ED-D701FDE160E6}" type="datetimeFigureOut">
               <a:rPr lang="en-US" smtClean="0"/>
               <a:pPr/>
-              <a:t>9/27/2021</a:t>
+              <a:t>2021-09-29</a:t>
             </a:fld>
             <a:endParaRPr lang="en-US"/>
           </a:p>
@@ -2310,7 +2310,7 @@
             <a:fld id="{9A00FA51-1785-FA41-96ED-D701FDE160E6}" type="datetimeFigureOut">
               <a:rPr lang="en-US" smtClean="0"/>
               <a:pPr/>
-              <a:t>9/27/2021</a:t>
+              <a:t>2021-09-29</a:t>
             </a:fld>
             <a:endParaRPr lang="en-US"/>
           </a:p>
@@ -2402,7 +2402,7 @@
             <a:fld id="{9A00FA51-1785-FA41-96ED-D701FDE160E6}" type="datetimeFigureOut">
               <a:rPr lang="en-US" smtClean="0"/>
               <a:pPr/>
-              <a:t>9/27/2021</a:t>
+              <a:t>2021-09-29</a:t>
             </a:fld>
             <a:endParaRPr lang="en-US"/>
           </a:p>
@@ -2674,7 +2674,7 @@
             <a:fld id="{9A00FA51-1785-FA41-96ED-D701FDE160E6}" type="datetimeFigureOut">
               <a:rPr lang="en-US" smtClean="0"/>
               <a:pPr/>
-              <a:t>9/27/2021</a:t>
+              <a:t>2021-09-29</a:t>
             </a:fld>
             <a:endParaRPr lang="en-US"/>
           </a:p>
@@ -2923,7 +2923,7 @@
             <a:fld id="{9A00FA51-1785-FA41-96ED-D701FDE160E6}" type="datetimeFigureOut">
               <a:rPr lang="en-US" smtClean="0"/>
               <a:pPr/>
-              <a:t>9/27/2021</a:t>
+              <a:t>2021-09-29</a:t>
             </a:fld>
             <a:endParaRPr lang="en-US"/>
           </a:p>
@@ -3131,7 +3131,7 @@
             <a:fld id="{9A00FA51-1785-FA41-96ED-D701FDE160E6}" type="datetimeFigureOut">
               <a:rPr lang="en-US" smtClean="0"/>
               <a:pPr/>
-              <a:t>9/27/2021</a:t>
+              <a:t>2021-09-29</a:t>
             </a:fld>
             <a:endParaRPr lang="en-US"/>
           </a:p>
@@ -3705,7 +3705,7 @@
                 </a:solidFill>
                 <a:latin typeface="Arial Black" panose="020B0A04020102020204" pitchFamily="34" charset="0"/>
               </a:rPr>
-              <a:t>Justin M. Wozniak, Zhengchun Liu, Rafael Vescovi, Ryan Chard, Bogdan Nicolae and Ian Foster </a:t>
+              <a:t>Justin M. Wozniak, Zhengchun Liu, Rafael Vescovi, Ryan Chard, Bogdan Nicolae, and Ian Foster </a:t>
             </a:r>
           </a:p>
           <a:p>
@@ -3763,7 +3763,7 @@
         <p:spPr>
           <a:xfrm>
             <a:off x="746760" y="35237063"/>
-            <a:ext cx="26162000" cy="1138769"/>
+            <a:ext cx="26162000" cy="430883"/>
           </a:xfrm>
           <a:prstGeom prst="rect">
             <a:avLst/>
@@ -3779,21 +3779,11 @@
             <a:pPr algn="ctr"/>
             <a:r>
               <a:rPr lang="en-US" sz="2300" dirty="0"/>
-              <a:t>This research is supported by the U.S. DOE Office of Science under contract DE-AC02-06CH11357, FWP-57810.  Computing resources were provided by the Argonne Leadership Computing Facility.</a:t>
-            </a:r>
-            <a:br>
-              <a:rPr lang="en-US" sz="2300" dirty="0"/>
-            </a:br>
-            <a:r>
-              <a:rPr lang="en-US" sz="2300" dirty="0"/>
-              <a:t>Some work by DSK was supported by the National Science Foundation, while working at the Foundation.  Any opinion, finding, and conclusions or recommendations expressed in this material </a:t>
-            </a:r>
-          </a:p>
-          <a:p>
-            <a:pPr algn="ctr"/>
-            <a:r>
-              <a:rPr lang="en-US" sz="2300" dirty="0"/>
-              <a:t>are those of the authors and do not necessarily reflect the views of the National Science Foundation.</a:t>
+              <a:t>Acknowledgments:  This work was supported by U.S. Department of Energy, Office of Science, Advanced Scientific Computing Research, under </a:t>
+            </a:r>
+            <a:r>
+              <a:rPr lang="en-US" sz="2300"/>
+              <a:t>contract number DE-AC02-06CH11357.</a:t>
             </a:r>
             <a:endParaRPr lang="en-GB" sz="2300" dirty="0"/>
           </a:p>
@@ -3981,23 +3971,7 @@
                   <a:schemeClr val="bg1"/>
                 </a:solidFill>
               </a:rPr>
-              <a:t>Worldwide Swift usage </a:t>
-            </a:r>
-            <a:r>
-              <a:rPr lang="en-US" sz="2300">
-                <a:solidFill>
-                  <a:schemeClr val="bg1"/>
-                </a:solidFill>
-              </a:rPr>
-              <a:t>through Nov </a:t>
-            </a:r>
-            <a:r>
-              <a:rPr lang="en-US" sz="2300" dirty="0">
-                <a:solidFill>
-                  <a:schemeClr val="bg1"/>
-                </a:solidFill>
-              </a:rPr>
-              <a:t>2012</a:t>
+              <a:t>Worldwide Swift usage through Nov 2012</a:t>
             </a:r>
           </a:p>
         </p:txBody>
@@ -4011,7 +3985,7 @@
         <p:spPr>
           <a:xfrm>
             <a:off x="13720843" y="6440713"/>
-            <a:ext cx="13187917" cy="18933887"/>
+            <a:ext cx="13187917" cy="17790887"/>
           </a:xfrm>
           <a:prstGeom prst="roundRect">
             <a:avLst>
@@ -4254,7 +4228,7 @@
             </a:pPr>
             <a:r>
               <a:rPr lang="en-US" sz="3200" dirty="0"/>
-              <a:t>Automating such workflows will</a:t>
+              <a:t>Automating such workflows will need provenance recording that is augmented with richer information about model training inputs, including real-world experiments and observations, simulations, and the structures of other learning and analysis activities.</a:t>
             </a:r>
           </a:p>
           <a:p>
@@ -4264,7 +4238,7 @@
             </a:pPr>
             <a:r>
               <a:rPr lang="en-US" sz="3200" dirty="0"/>
-              <a:t>need provenance recording that is augmented with richer information about model training inputs, including real-world experiments and observations, simulations, and the structures of other learning and analysis activities.</a:t>
+              <a:t>We must stretch the notion of a provenance database to capture datasets produced by mixing experimental data with ML models.</a:t>
             </a:r>
           </a:p>
         </p:txBody>
@@ -4278,7 +4252,7 @@
         <p:spPr>
           <a:xfrm>
             <a:off x="14653144" y="12776065"/>
-            <a:ext cx="11277600" cy="12405646"/>
+            <a:ext cx="11277600" cy="11836535"/>
           </a:xfrm>
           <a:prstGeom prst="rect">
             <a:avLst/>
@@ -4356,13 +4330,6 @@
               <a:rPr lang="en-US" sz="3200" dirty="0"/>
               <a:t>Allowing ML models to be updated over time</a:t>
             </a:r>
-          </a:p>
-          <a:p>
-            <a:pPr marL="974725" lvl="1" indent="-457200">
-              <a:buFont typeface="Arial" panose="020B0604020202020204" pitchFamily="34" charset="0"/>
-              <a:buChar char="•"/>
-            </a:pPr>
-            <a:endParaRPr lang="en-US" sz="3200" dirty="0"/>
           </a:p>
           <a:p>
             <a:pPr marL="974725" lvl="1" indent="-457200">
@@ -4541,8 +4508,8 @@
         </p:nvGrpSpPr>
         <p:grpSpPr>
           <a:xfrm>
-            <a:off x="13743863" y="25929305"/>
-            <a:ext cx="13187917" cy="9147387"/>
+            <a:off x="13735050" y="24433151"/>
+            <a:ext cx="13187917" cy="8590942"/>
             <a:chOff x="13743863" y="25929305"/>
             <a:chExt cx="13187917" cy="9147387"/>
           </a:xfrm>
@@ -4605,7 +4572,7 @@
           <p:spPr>
             <a:xfrm>
               <a:off x="13864459" y="25933281"/>
-              <a:ext cx="13067321" cy="9048631"/>
+              <a:ext cx="13067321" cy="8586966"/>
             </a:xfrm>
             <a:prstGeom prst="rect">
               <a:avLst/>
@@ -4679,7 +4646,7 @@
               </a:r>
               <a:r>
                 <a:rPr lang="en-US" sz="3000" dirty="0"/>
-                <a:t> A simpler object consisting of static data: for example, pre-existing trusted data or software, etc.  </a:t>
+                <a:t> A simpler object consisting of static data: for example, pre-existing trusted data or software.  </a:t>
               </a:r>
               <a:r>
                 <a:rPr lang="en-US" sz="3000" dirty="0" err="1"/>
@@ -4687,7 +4654,7 @@
               </a:r>
               <a:r>
                 <a:rPr lang="en-US" sz="3000" dirty="0"/>
-                <a:t> may have a provenance outside the Braid-DB system.</a:t>
+                <a:t> may have a provenance outside the system.</a:t>
               </a:r>
             </a:p>
             <a:p>
@@ -4862,7 +4829,7 @@
         </p:blipFill>
         <p:spPr>
           <a:xfrm>
-            <a:off x="14807166" y="18071258"/>
+            <a:off x="14634094" y="17783704"/>
             <a:ext cx="11862833" cy="4104833"/>
           </a:xfrm>
           <a:prstGeom prst="rect">
@@ -4885,7 +4852,7 @@
         <p:spPr>
           <a:xfrm>
             <a:off x="687015" y="25737519"/>
-            <a:ext cx="12559085" cy="9048631"/>
+            <a:ext cx="12559085" cy="9941183"/>
           </a:xfrm>
           <a:prstGeom prst="rect">
             <a:avLst/>
@@ -4917,144 +4884,115 @@
           </a:p>
           <a:p>
             <a:r>
-              <a:rPr lang="en-US" sz="3000" b="1" dirty="0" err="1"/>
-              <a:t>BraidRecord</a:t>
-            </a:r>
-            <a:r>
               <a:rPr lang="en-US" sz="3000" b="1" dirty="0"/>
-              <a:t>:</a:t>
+              <a:t>Provenance flow capture for training DNNs in x-ray science:</a:t>
             </a:r>
             <a:r>
               <a:rPr lang="en-US" sz="3000" dirty="0"/>
-              <a:t> A super-class for Braid-DB provenance records.  Each such entity has a unique ID, a </a:t>
-            </a:r>
-            <a:r>
-              <a:rPr lang="en-US" sz="3200" dirty="0">
-                <a:solidFill>
-                  <a:srgbClr val="7F7F7F"/>
-                </a:solidFill>
-              </a:rPr>
-              <a:t>Swift PIPS script: </a:t>
-            </a:r>
-            <a:r>
-              <a:rPr lang="en-US" sz="3200" dirty="0"/>
-              <a:t>Parallel power grid analysis</a:t>
-            </a:r>
-            <a:endParaRPr lang="en-US" sz="3200" i="1" dirty="0"/>
+              <a:t> </a:t>
+            </a:r>
           </a:p>
           <a:p>
             <a:r>
               <a:rPr lang="en-US" sz="3000" dirty="0"/>
-              <a:t>(possibly not unique) string name, a list of dependencies, and a dictionary of user-specified, string-keyed metadata tags,</a:t>
-            </a:r>
-          </a:p>
-          <a:p>
-            <a:r>
-              <a:rPr lang="en-US" sz="3000" b="1" dirty="0" err="1"/>
-              <a:t>BraidFact</a:t>
-            </a:r>
+              <a:t>Data collected in early stages of an experiment, data from past similar experiments, and/or data simulated for  upcoming experiments are used to train a deep neural network (DNN) model that, in effect, learns specific characteristics of those data; this model is then used to process subsequent data more efficiently than would general-purpose models that lack knowledge of the specific dataset or data class (Liu 2021).  In many cases, the DNN needs to be updated (retrained and fine-tuned) frequently to keep up with changes in experiment setup and sample conditions.</a:t>
+            </a:r>
+          </a:p>
+          <a:p>
+            <a:endParaRPr lang="en-US" sz="3000" dirty="0"/>
+          </a:p>
+          <a:p>
             <a:r>
               <a:rPr lang="en-US" sz="3000" b="1" dirty="0"/>
-              <a:t>:</a:t>
+              <a:t>Serial synchrotron x-ray crystallography: </a:t>
             </a:r>
             <a:r>
               <a:rPr lang="en-US" sz="3000" dirty="0"/>
-              <a:t> A simpler object consisting of static data: for example, pre-existing trusted data or software, etc.  </a:t>
+              <a:t>Argonne's Structural Biology Center has developed a Braid-compatible pipeline to process raw data, catalog and report interim results, and attempt to refine and solve protein structures (</a:t>
             </a:r>
             <a:r>
               <a:rPr lang="en-US" sz="3000" dirty="0" err="1"/>
-              <a:t>BraidFacts</a:t>
+              <a:t>Wilamowskie</a:t>
             </a:r>
             <a:r>
               <a:rPr lang="en-US" sz="3000" dirty="0"/>
-              <a:t> may have a provenance outside the Braid-DB system.</a:t>
-            </a:r>
-          </a:p>
-          <a:p>
-            <a:r>
-              <a:rPr lang="en-US" sz="3000" b="1" dirty="0" err="1"/>
-              <a:t>BraidData</a:t>
-            </a:r>
-            <a:r>
-              <a:rPr lang="en-US" sz="3000" b="1" dirty="0"/>
-              <a:t>:</a:t>
-            </a:r>
-            <a:r>
-              <a:rPr lang="en-US" sz="3000" dirty="0"/>
-              <a:t> The Braid-DB representation of traditional provenance-tracked data, with traditional conceptions of its derivation history from other </a:t>
-            </a:r>
-            <a:r>
-              <a:rPr lang="en-US" sz="3000" dirty="0" err="1"/>
-              <a:t>BraidData</a:t>
-            </a:r>
-            <a:r>
-              <a:rPr lang="en-US" sz="3000" dirty="0"/>
-              <a:t> and/or </a:t>
-            </a:r>
-            <a:r>
-              <a:rPr lang="en-US" sz="3000" dirty="0" err="1"/>
-              <a:t>BraidFacts</a:t>
-            </a:r>
-            <a:r>
-              <a:rPr lang="en-US" sz="3000" dirty="0"/>
-              <a:t>.  A Braid-DB containing only </a:t>
-            </a:r>
-            <a:r>
-              <a:rPr lang="en-US" sz="3000" dirty="0" err="1"/>
-              <a:t>BraidData</a:t>
-            </a:r>
-            <a:r>
-              <a:rPr lang="en-US" sz="3000" dirty="0"/>
-              <a:t> and </a:t>
-            </a:r>
-            <a:r>
-              <a:rPr lang="en-US" sz="3000" dirty="0" err="1"/>
-              <a:t>BraidFacts</a:t>
-            </a:r>
-            <a:r>
-              <a:rPr lang="en-US" sz="3000" dirty="0"/>
-              <a:t> would be functionally indistinguishable from a traditional provenance database.</a:t>
-            </a:r>
+              <a:t> 2021).  This process captures sample information (including protein, preparation technique, exposure, and temperature) and feeds it into the analysis and publication pipeline. It will allow the experiment control algorithms to decide what are the next steps to complete the acquisition.</a:t>
+            </a:r>
+          </a:p>
+          <a:p>
             <a:endParaRPr lang="en-US" sz="3000" b="1" dirty="0"/>
           </a:p>
-          <a:p>
-            <a:r>
-              <a:rPr lang="en-US" sz="3000" b="1" dirty="0" err="1"/>
-              <a:t>BraidModel</a:t>
-            </a:r>
-            <a:r>
-              <a:rPr lang="en-US" sz="3000" b="1" dirty="0"/>
-              <a:t>:</a:t>
-            </a:r>
-            <a:r>
-              <a:rPr lang="en-US" sz="3000" dirty="0"/>
-              <a:t> An ML model tracked by Braid-DB.  A </a:t>
-            </a:r>
-            <a:r>
-              <a:rPr lang="en-US" sz="3000" dirty="0" err="1"/>
-              <a:t>BraidModel</a:t>
-            </a:r>
-            <a:r>
-              <a:rPr lang="en-US" sz="3000" dirty="0"/>
-              <a:t> has the additional capability </a:t>
-            </a:r>
-            <a:r>
-              <a:rPr lang="en-US" sz="3000" dirty="0">
-                <a:latin typeface="Consolas" panose="020B0609020204030204" pitchFamily="49" charset="0"/>
-              </a:rPr>
-              <a:t>update() </a:t>
-            </a:r>
-            <a:r>
-              <a:rPr lang="en-US" sz="3000" dirty="0"/>
-              <a:t>, which represents model exposure to other </a:t>
-            </a:r>
-            <a:r>
-              <a:rPr lang="en-US" sz="3000" dirty="0" err="1"/>
-              <a:t>BraidRecords</a:t>
-            </a:r>
-            <a:r>
-              <a:rPr lang="en-US" sz="3000" dirty="0"/>
-              <a:t>, possibly including other models.  This includes the possibility of dependency cycles that capture complex interactions among models and data as experiment workflows progress.</a:t>
+        </p:txBody>
+      </p:sp>
+      <p:sp>
+        <p:nvSpPr>
+          <p:cNvPr id="2" name="TextBox 1">
+            <a:extLst>
+              <a:ext uri="{FF2B5EF4-FFF2-40B4-BE49-F238E27FC236}">
+                <a16:creationId xmlns:a16="http://schemas.microsoft.com/office/drawing/2014/main" id="{D78F70B9-15F8-47D9-A298-F32032CCA85C}"/>
+              </a:ext>
+            </a:extLst>
+          </p:cNvPr>
+          <p:cNvSpPr txBox="1"/>
+          <p:nvPr/>
+        </p:nvSpPr>
+        <p:spPr>
+          <a:xfrm>
+            <a:off x="13698934" y="33140971"/>
+            <a:ext cx="13352066" cy="1815882"/>
+          </a:xfrm>
+          <a:prstGeom prst="rect">
+            <a:avLst/>
+          </a:prstGeom>
+          <a:noFill/>
+        </p:spPr>
+        <p:txBody>
+          <a:bodyPr wrap="square" rtlCol="0">
+            <a:spAutoFit/>
+          </a:bodyPr>
+          <a:lstStyle/>
+          <a:p>
+            <a:r>
+              <a:rPr lang="en-US" sz="2800" b="1" dirty="0"/>
+              <a:t>Liu 2021: </a:t>
+            </a:r>
+            <a:r>
+              <a:rPr lang="en-US" sz="2800" dirty="0"/>
+              <a:t>Z. Liu et al. Bridge data center AI systems with edge computing  for  actionable information retrieval.  </a:t>
+            </a:r>
+            <a:r>
+              <a:rPr lang="en-US" sz="2800" dirty="0" err="1"/>
+              <a:t>arXiv</a:t>
+            </a:r>
+            <a:r>
+              <a:rPr lang="en-US" sz="2800" dirty="0"/>
+              <a:t> preprint arXiv:2105.13967 (2021)</a:t>
+            </a:r>
+          </a:p>
+          <a:p>
+            <a:r>
+              <a:rPr lang="en-US" sz="2800" b="1" dirty="0" err="1"/>
+              <a:t>Wilamowski</a:t>
+            </a:r>
+            <a:r>
+              <a:rPr lang="en-US" sz="2800" b="1" dirty="0"/>
+              <a:t> 2021: </a:t>
+            </a:r>
+            <a:r>
+              <a:rPr lang="en-US" sz="2800" dirty="0" err="1"/>
+              <a:t>Wilamowski</a:t>
+            </a:r>
+            <a:r>
+              <a:rPr lang="en-US" sz="2800" dirty="0"/>
+              <a:t> et al. 2’-o  methylation  of  RNA  cap  in  SARS-CoV-2  captured  by  </a:t>
+            </a:r>
+            <a:r>
+              <a:rPr lang="en-US" sz="2800" dirty="0" err="1"/>
+              <a:t>serialcrystallography</a:t>
+            </a:r>
+            <a:r>
+              <a:rPr lang="en-US" sz="2800" dirty="0"/>
+              <a:t>. PNAS 118(21) (2021).</a:t>
             </a:r>
           </a:p>
         </p:txBody>
